--- a/xText Workshop.pptx
+++ b/xText Workshop.pptx
@@ -8777,25 +8777,21 @@
               <a:buNone/>
             </a:pPr>
             <a:r>
-              <a:rPr lang="de-AT" dirty="0" smtClean="0"/>
-              <a:t>TODO URL </a:t>
-            </a:r>
-            <a:r>
-              <a:rPr lang="de-AT" dirty="0" err="1" smtClean="0"/>
-              <a:t>to</a:t>
-            </a:r>
-            <a:r>
-              <a:rPr lang="de-AT" dirty="0" smtClean="0"/>
-              <a:t> </a:t>
-            </a:r>
-            <a:r>
-              <a:rPr lang="de-AT" dirty="0" err="1" smtClean="0"/>
-              <a:t>Grammar</a:t>
-            </a:r>
-            <a:endParaRPr lang="de-AT" dirty="0" smtClean="0"/>
-          </a:p>
-          <a:p>
-            <a:pPr marL="914400" lvl="1" indent="-514350">
+              <a:rPr lang="de-AT" dirty="0" smtClean="0">
+                <a:solidFill>
+                  <a:srgbClr val="FF0000"/>
+                </a:solidFill>
+              </a:rPr>
+              <a:t>http://goo.gl/7uPtOx</a:t>
+            </a:r>
+            <a:endParaRPr lang="de-AT" dirty="0" smtClean="0">
+              <a:solidFill>
+                <a:srgbClr val="FF0000"/>
+              </a:solidFill>
+            </a:endParaRPr>
+          </a:p>
+          <a:p>
+            <a:pPr marL="1314450" lvl="2" indent="-514350">
               <a:buNone/>
             </a:pPr>
             <a:endParaRPr lang="de-AT" dirty="0" smtClean="0"/>
@@ -8958,7 +8954,7 @@
         <p:spPr>
           <a:xfrm>
             <a:off x="395536" y="1484784"/>
-            <a:ext cx="8640960" cy="4401205"/>
+            <a:ext cx="8640960" cy="4708981"/>
           </a:xfrm>
           <a:prstGeom prst="rect">
             <a:avLst/>
@@ -8970,6 +8966,24 @@
             <a:spAutoFit/>
           </a:bodyPr>
           <a:lstStyle/>
+          <a:p>
+            <a:pPr algn="r"/>
+            <a:r>
+              <a:rPr lang="de-AT" sz="2000" dirty="0" smtClean="0">
+                <a:solidFill>
+                  <a:srgbClr val="FF0000"/>
+                </a:solidFill>
+                <a:latin typeface="Comic Sans MS" pitchFamily="66" charset="0"/>
+              </a:rPr>
+              <a:t>http://goo.gl/7rNPLB</a:t>
+            </a:r>
+            <a:endParaRPr lang="de-AT" sz="2000" dirty="0" smtClean="0">
+              <a:solidFill>
+                <a:srgbClr val="FF0000"/>
+              </a:solidFill>
+              <a:latin typeface="Comic Sans MS" pitchFamily="66" charset="0"/>
+            </a:endParaRPr>
+          </a:p>
           <a:p>
             <a:r>
               <a:rPr lang="de-AT" sz="2000" dirty="0" err="1" smtClean="0">
@@ -10422,8 +10436,23 @@
             </a:pPr>
             <a:r>
               <a:rPr lang="de-AT" dirty="0" smtClean="0"/>
-              <a:t>	TODO Download URL</a:t>
-            </a:r>
+              <a:t>	</a:t>
+            </a:r>
+            <a:r>
+              <a:rPr lang="de-AT" dirty="0" smtClean="0">
+                <a:solidFill>
+                  <a:srgbClr val="FF0000"/>
+                </a:solidFill>
+                <a:latin typeface="Comic Sans MS" pitchFamily="66" charset="0"/>
+              </a:rPr>
+              <a:t> http://goo.gl/JpFXnv</a:t>
+            </a:r>
+            <a:endParaRPr lang="de-AT" dirty="0" smtClean="0">
+              <a:solidFill>
+                <a:srgbClr val="FF0000"/>
+              </a:solidFill>
+              <a:latin typeface="Comic Sans MS" pitchFamily="66" charset="0"/>
+            </a:endParaRPr>
           </a:p>
           <a:p>
             <a:pPr marL="514350" indent="-514350">
@@ -11201,6 +11230,44 @@
             </a:r>
             <a:endParaRPr lang="de-AT" sz="2000" dirty="0">
               <a:latin typeface="Comic Sans MS" pitchFamily="66" charset="0"/>
+            </a:endParaRPr>
+          </a:p>
+        </p:txBody>
+      </p:sp>
+      <p:sp>
+        <p:nvSpPr>
+          <p:cNvPr id="4" name="Textfeld 3"/>
+          <p:cNvSpPr txBox="1"/>
+          <p:nvPr/>
+        </p:nvSpPr>
+        <p:spPr>
+          <a:xfrm>
+            <a:off x="5940152" y="5733256"/>
+            <a:ext cx="2808312" cy="461665"/>
+          </a:xfrm>
+          <a:prstGeom prst="rect">
+            <a:avLst/>
+          </a:prstGeom>
+          <a:noFill/>
+        </p:spPr>
+        <p:txBody>
+          <a:bodyPr wrap="square" rtlCol="0">
+            <a:spAutoFit/>
+          </a:bodyPr>
+          <a:lstStyle/>
+          <a:p>
+            <a:r>
+              <a:rPr lang="de-AT" b="1" dirty="0" smtClean="0">
+                <a:solidFill>
+                  <a:srgbClr val="FF0000"/>
+                </a:solidFill>
+              </a:rPr>
+              <a:t>TODO: URL</a:t>
+            </a:r>
+            <a:endParaRPr lang="de-AT" b="1" dirty="0">
+              <a:solidFill>
+                <a:srgbClr val="FF0000"/>
+              </a:solidFill>
             </a:endParaRPr>
           </a:p>
         </p:txBody>
@@ -12477,8 +12544,23 @@
             </a:pPr>
             <a:r>
               <a:rPr lang="de-AT" dirty="0" smtClean="0"/>
-              <a:t>	TODO Download URL</a:t>
-            </a:r>
+              <a:t>	</a:t>
+            </a:r>
+            <a:r>
+              <a:rPr lang="de-AT" dirty="0" smtClean="0">
+                <a:solidFill>
+                  <a:srgbClr val="FF0000"/>
+                </a:solidFill>
+                <a:latin typeface="Comic Sans MS" pitchFamily="66" charset="0"/>
+              </a:rPr>
+              <a:t> http://goo.gl/Vm5QWk</a:t>
+            </a:r>
+            <a:endParaRPr lang="de-AT" dirty="0" smtClean="0">
+              <a:solidFill>
+                <a:srgbClr val="FF0000"/>
+              </a:solidFill>
+              <a:latin typeface="Comic Sans MS" pitchFamily="66" charset="0"/>
+            </a:endParaRPr>
           </a:p>
           <a:p>
             <a:pPr marL="514350" indent="-514350">

--- a/xText Workshop.pptx
+++ b/xText Workshop.pptx
@@ -5,7 +5,7 @@
     <p:sldMasterId id="2147483649" r:id="rId5"/>
   </p:sldMasterIdLst>
   <p:notesMasterIdLst>
-    <p:notesMasterId r:id="rId72"/>
+    <p:notesMasterId r:id="rId73"/>
   </p:notesMasterIdLst>
   <p:sldIdLst>
     <p:sldId id="256" r:id="rId6"/>
@@ -71,9 +71,10 @@
     <p:sldId id="318" r:id="rId66"/>
     <p:sldId id="319" r:id="rId67"/>
     <p:sldId id="320" r:id="rId68"/>
-    <p:sldId id="321" r:id="rId69"/>
-    <p:sldId id="310" r:id="rId70"/>
-    <p:sldId id="262" r:id="rId71"/>
+    <p:sldId id="328" r:id="rId69"/>
+    <p:sldId id="321" r:id="rId70"/>
+    <p:sldId id="310" r:id="rId71"/>
+    <p:sldId id="262" r:id="rId72"/>
   </p:sldIdLst>
   <p:sldSz cx="9144000" cy="6858000" type="screen4x3"/>
   <p:notesSz cx="6858000" cy="9144000"/>
@@ -278,6 +279,7 @@
             <p14:sldId id="318"/>
             <p14:sldId id="319"/>
             <p14:sldId id="320"/>
+            <p14:sldId id="328"/>
             <p14:sldId id="321"/>
             <p14:sldId id="310"/>
           </p14:sldIdLst>
@@ -342,14 +344,14 @@
           </a:ln>
           <a:effectLst/>
           <a:extLst>
-            <a:ext uri="{909E8E84-426E-40DD-AFC4-6F175D3DCCD1}">
+            <a:ext uri="{909E8E84-426E-40dd-AFC4-6F175D3DCCD1}">
               <a14:hiddenFill xmlns:a14="http://schemas.microsoft.com/office/drawing/2010/main">
                 <a:solidFill>
                   <a:schemeClr val="accent1"/>
                 </a:solidFill>
               </a14:hiddenFill>
             </a:ext>
-            <a:ext uri="{91240B29-F687-4F45-9708-019B960494DF}">
+            <a:ext uri="{91240B29-F687-4f45-9708-019B960494DF}">
               <a14:hiddenLine xmlns:a14="http://schemas.microsoft.com/office/drawing/2010/main" w="9525">
                 <a:solidFill>
                   <a:schemeClr val="tx1"/>
@@ -359,7 +361,7 @@
                 <a:tailEnd/>
               </a14:hiddenLine>
             </a:ext>
-            <a:ext uri="{AF507438-7753-43E0-B8FC-AC1667EBCBE1}">
+            <a:ext uri="{AF507438-7753-43e0-B8FC-AC1667EBCBE1}">
               <a14:hiddenEffects xmlns:a14="http://schemas.microsoft.com/office/drawing/2010/main">
                 <a:effectLst>
                   <a:outerShdw dist="35921" dir="2700000" algn="ctr" rotWithShape="0">
@@ -410,14 +412,14 @@
           </a:ln>
           <a:effectLst/>
           <a:extLst>
-            <a:ext uri="{909E8E84-426E-40DD-AFC4-6F175D3DCCD1}">
+            <a:ext uri="{909E8E84-426E-40dd-AFC4-6F175D3DCCD1}">
               <a14:hiddenFill xmlns:a14="http://schemas.microsoft.com/office/drawing/2010/main">
                 <a:solidFill>
                   <a:schemeClr val="accent1"/>
                 </a:solidFill>
               </a14:hiddenFill>
             </a:ext>
-            <a:ext uri="{91240B29-F687-4F45-9708-019B960494DF}">
+            <a:ext uri="{91240B29-F687-4f45-9708-019B960494DF}">
               <a14:hiddenLine xmlns:a14="http://schemas.microsoft.com/office/drawing/2010/main" w="9525">
                 <a:solidFill>
                   <a:schemeClr val="tx1"/>
@@ -427,7 +429,7 @@
                 <a:tailEnd/>
               </a14:hiddenLine>
             </a:ext>
-            <a:ext uri="{AF507438-7753-43E0-B8FC-AC1667EBCBE1}">
+            <a:ext uri="{AF507438-7753-43e0-B8FC-AC1667EBCBE1}">
               <a14:hiddenEffects xmlns:a14="http://schemas.microsoft.com/office/drawing/2010/main">
                 <a:effectLst>
                   <a:outerShdw dist="35921" dir="2700000" algn="ctr" rotWithShape="0">
@@ -483,7 +485,7 @@
           </a:ln>
           <a:effectLst/>
           <a:extLst>
-            <a:ext uri="{AF507438-7753-43E0-B8FC-AC1667EBCBE1}">
+            <a:ext uri="{AF507438-7753-43e0-B8FC-AC1667EBCBE1}">
               <a14:hiddenEffects xmlns:a14="http://schemas.microsoft.com/office/drawing/2010/main">
                 <a:effectLst>
                   <a:outerShdw dist="35921" dir="2700000" algn="ctr" rotWithShape="0">
@@ -492,7 +494,7 @@
                 </a:effectLst>
               </a14:hiddenEffects>
             </a:ext>
-            <a:ext uri="{53640926-AAD7-44D8-BBD7-CCE9431645EC}">
+            <a:ext uri="{53640926-AAD7-44d8-BBD7-CCE9431645EC}">
               <a14:shadowObscured xmlns:a14="http://schemas.microsoft.com/office/drawing/2010/main" val="1"/>
             </a:ext>
           </a:extLst>
@@ -522,14 +524,14 @@
           </a:ln>
           <a:effectLst/>
           <a:extLst>
-            <a:ext uri="{909E8E84-426E-40DD-AFC4-6F175D3DCCD1}">
+            <a:ext uri="{909E8E84-426E-40dd-AFC4-6F175D3DCCD1}">
               <a14:hiddenFill xmlns:a14="http://schemas.microsoft.com/office/drawing/2010/main">
                 <a:solidFill>
                   <a:schemeClr val="accent1"/>
                 </a:solidFill>
               </a14:hiddenFill>
             </a:ext>
-            <a:ext uri="{91240B29-F687-4F45-9708-019B960494DF}">
+            <a:ext uri="{91240B29-F687-4f45-9708-019B960494DF}">
               <a14:hiddenLine xmlns:a14="http://schemas.microsoft.com/office/drawing/2010/main" w="9525">
                 <a:solidFill>
                   <a:schemeClr val="tx1"/>
@@ -539,7 +541,7 @@
                 <a:tailEnd/>
               </a14:hiddenLine>
             </a:ext>
-            <a:ext uri="{AF507438-7753-43E0-B8FC-AC1667EBCBE1}">
+            <a:ext uri="{AF507438-7753-43e0-B8FC-AC1667EBCBE1}">
               <a14:hiddenEffects xmlns:a14="http://schemas.microsoft.com/office/drawing/2010/main">
                 <a:effectLst>
                   <a:outerShdw dist="35921" dir="2700000" algn="ctr" rotWithShape="0">
@@ -618,14 +620,14 @@
           </a:ln>
           <a:effectLst/>
           <a:extLst>
-            <a:ext uri="{909E8E84-426E-40DD-AFC4-6F175D3DCCD1}">
+            <a:ext uri="{909E8E84-426E-40dd-AFC4-6F175D3DCCD1}">
               <a14:hiddenFill xmlns:a14="http://schemas.microsoft.com/office/drawing/2010/main">
                 <a:solidFill>
                   <a:schemeClr val="accent1"/>
                 </a:solidFill>
               </a14:hiddenFill>
             </a:ext>
-            <a:ext uri="{91240B29-F687-4F45-9708-019B960494DF}">
+            <a:ext uri="{91240B29-F687-4f45-9708-019B960494DF}">
               <a14:hiddenLine xmlns:a14="http://schemas.microsoft.com/office/drawing/2010/main" w="9525">
                 <a:solidFill>
                   <a:schemeClr val="tx1"/>
@@ -635,7 +637,7 @@
                 <a:tailEnd/>
               </a14:hiddenLine>
             </a:ext>
-            <a:ext uri="{AF507438-7753-43E0-B8FC-AC1667EBCBE1}">
+            <a:ext uri="{AF507438-7753-43e0-B8FC-AC1667EBCBE1}">
               <a14:hiddenEffects xmlns:a14="http://schemas.microsoft.com/office/drawing/2010/main">
                 <a:effectLst>
                   <a:outerShdw dist="35921" dir="2700000" algn="ctr" rotWithShape="0">
@@ -686,14 +688,14 @@
           </a:ln>
           <a:effectLst/>
           <a:extLst>
-            <a:ext uri="{909E8E84-426E-40DD-AFC4-6F175D3DCCD1}">
+            <a:ext uri="{909E8E84-426E-40dd-AFC4-6F175D3DCCD1}">
               <a14:hiddenFill xmlns:a14="http://schemas.microsoft.com/office/drawing/2010/main">
                 <a:solidFill>
                   <a:schemeClr val="accent1"/>
                 </a:solidFill>
               </a14:hiddenFill>
             </a:ext>
-            <a:ext uri="{91240B29-F687-4F45-9708-019B960494DF}">
+            <a:ext uri="{91240B29-F687-4f45-9708-019B960494DF}">
               <a14:hiddenLine xmlns:a14="http://schemas.microsoft.com/office/drawing/2010/main" w="9525">
                 <a:solidFill>
                   <a:schemeClr val="tx1"/>
@@ -703,7 +705,7 @@
                 <a:tailEnd/>
               </a14:hiddenLine>
             </a:ext>
-            <a:ext uri="{AF507438-7753-43E0-B8FC-AC1667EBCBE1}">
+            <a:ext uri="{AF507438-7753-43e0-B8FC-AC1667EBCBE1}">
               <a14:hiddenEffects xmlns:a14="http://schemas.microsoft.com/office/drawing/2010/main">
                 <a:effectLst>
                   <a:outerShdw dist="35921" dir="2700000" algn="ctr" rotWithShape="0">
@@ -729,7 +731,7 @@
             <a:fld id="{FDD3510F-8DB2-4EB9-9BEF-73090A144782}" type="slidenum">
               <a:rPr lang="en-US" altLang="en-US"/>
               <a:pPr/>
-              <a:t>‹#›</a:t>
+              <a:t>‹Nr.›</a:t>
             </a:fld>
             <a:endParaRPr lang="en-US" altLang="en-US"/>
           </a:p>
@@ -1224,7 +1226,7 @@
             <a:fld id="{1E981752-13E0-45CD-9F95-D0DA77810B22}" type="slidenum">
               <a:rPr lang="en-US" altLang="en-US"/>
               <a:pPr/>
-              <a:t>‹#›</a:t>
+              <a:t>‹Nr.›</a:t>
             </a:fld>
             <a:endParaRPr lang="en-US" altLang="en-US"/>
           </a:p>
@@ -1398,7 +1400,7 @@
             <a:fld id="{A4CF5B09-9FC5-47DD-AB29-2F14FD0341A1}" type="slidenum">
               <a:rPr lang="en-US" altLang="en-US"/>
               <a:pPr/>
-              <a:t>‹#›</a:t>
+              <a:t>‹Nr.›</a:t>
             </a:fld>
             <a:endParaRPr lang="en-US" altLang="en-US"/>
           </a:p>
@@ -1587,7 +1589,7 @@
             <a:fld id="{2EFA46FD-FDAD-4236-97DD-EC48CAF22BEE}" type="slidenum">
               <a:rPr lang="en-US" altLang="en-US"/>
               <a:pPr/>
-              <a:t>‹#›</a:t>
+              <a:t>‹Nr.›</a:t>
             </a:fld>
             <a:endParaRPr lang="en-US" altLang="en-US"/>
           </a:p>
@@ -1766,7 +1768,7 @@
             <a:fld id="{E1206E3A-7291-498D-897C-D129EE7F965E}" type="slidenum">
               <a:rPr lang="en-US" altLang="en-US"/>
               <a:pPr/>
-              <a:t>‹#›</a:t>
+              <a:t>‹Nr.›</a:t>
             </a:fld>
             <a:endParaRPr lang="en-US" altLang="en-US"/>
           </a:p>
@@ -1967,7 +1969,7 @@
             <a:fld id="{DB776912-E062-4219-B3B6-449FA7914192}" type="slidenum">
               <a:rPr lang="en-US" altLang="en-US"/>
               <a:pPr/>
-              <a:t>‹#›</a:t>
+              <a:t>‹Nr.›</a:t>
             </a:fld>
             <a:endParaRPr lang="en-US" altLang="en-US"/>
           </a:p>
@@ -2264,7 +2266,7 @@
             <a:fld id="{A17D1BF8-2664-4168-A278-8D28AC6A1C50}" type="slidenum">
               <a:rPr lang="en-US" altLang="en-US"/>
               <a:pPr/>
-              <a:t>‹#›</a:t>
+              <a:t>‹Nr.›</a:t>
             </a:fld>
             <a:endParaRPr lang="en-US" altLang="en-US"/>
           </a:p>
@@ -2700,7 +2702,7 @@
             <a:fld id="{F5F097CC-7867-4CB1-BBDE-F4477193BD70}" type="slidenum">
               <a:rPr lang="en-US" altLang="en-US"/>
               <a:pPr/>
-              <a:t>‹#›</a:t>
+              <a:t>‹Nr.›</a:t>
             </a:fld>
             <a:endParaRPr lang="en-US" altLang="en-US"/>
           </a:p>
@@ -2827,7 +2829,7 @@
             <a:fld id="{0FD465B5-5BCF-400D-9DE3-F076378A8EAE}" type="slidenum">
               <a:rPr lang="en-US" altLang="en-US"/>
               <a:pPr/>
-              <a:t>‹#›</a:t>
+              <a:t>‹Nr.›</a:t>
             </a:fld>
             <a:endParaRPr lang="en-US" altLang="en-US"/>
           </a:p>
@@ -2931,7 +2933,7 @@
             <a:fld id="{B6062B1D-85E3-4BCF-8E25-94B9CDF49C7A}" type="slidenum">
               <a:rPr lang="en-US" altLang="en-US"/>
               <a:pPr/>
-              <a:t>‹#›</a:t>
+              <a:t>‹Nr.›</a:t>
             </a:fld>
             <a:endParaRPr lang="en-US" altLang="en-US"/>
           </a:p>
@@ -3217,7 +3219,7 @@
             <a:fld id="{0637A6C3-D1F0-47F5-A1B1-E9722FE9DAA1}" type="slidenum">
               <a:rPr lang="en-US" altLang="en-US"/>
               <a:pPr/>
-              <a:t>‹#›</a:t>
+              <a:t>‹Nr.›</a:t>
             </a:fld>
             <a:endParaRPr lang="en-US" altLang="en-US"/>
           </a:p>
@@ -3483,7 +3485,7 @@
             <a:fld id="{500AE801-0714-41C2-8095-7C1BE713221B}" type="slidenum">
               <a:rPr lang="en-US" altLang="en-US"/>
               <a:pPr/>
-              <a:t>‹#›</a:t>
+              <a:t>‹Nr.›</a:t>
             </a:fld>
             <a:endParaRPr lang="en-US" altLang="en-US"/>
           </a:p>
@@ -3558,14 +3560,14 @@
             <a:noFill/>
           </a:ln>
           <a:extLst>
-            <a:ext uri="{909E8E84-426E-40DD-AFC4-6F175D3DCCD1}">
+            <a:ext uri="{909E8E84-426E-40dd-AFC4-6F175D3DCCD1}">
               <a14:hiddenFill xmlns:a14="http://schemas.microsoft.com/office/drawing/2010/main">
                 <a:solidFill>
                   <a:schemeClr val="accent1"/>
                 </a:solidFill>
               </a14:hiddenFill>
             </a:ext>
-            <a:ext uri="{91240B29-F687-4F45-9708-019B960494DF}">
+            <a:ext uri="{91240B29-F687-4f45-9708-019B960494DF}">
               <a14:hiddenLine xmlns:a14="http://schemas.microsoft.com/office/drawing/2010/main" w="9525">
                 <a:solidFill>
                   <a:schemeClr val="tx1"/>
@@ -3616,14 +3618,14 @@
             <a:noFill/>
           </a:ln>
           <a:extLst>
-            <a:ext uri="{909E8E84-426E-40DD-AFC4-6F175D3DCCD1}">
+            <a:ext uri="{909E8E84-426E-40dd-AFC4-6F175D3DCCD1}">
               <a14:hiddenFill xmlns:a14="http://schemas.microsoft.com/office/drawing/2010/main">
                 <a:solidFill>
                   <a:schemeClr val="accent1"/>
                 </a:solidFill>
               </a14:hiddenFill>
             </a:ext>
-            <a:ext uri="{91240B29-F687-4F45-9708-019B960494DF}">
+            <a:ext uri="{91240B29-F687-4f45-9708-019B960494DF}">
               <a14:hiddenLine xmlns:a14="http://schemas.microsoft.com/office/drawing/2010/main" w="9525">
                 <a:solidFill>
                   <a:schemeClr val="tx1"/>
@@ -3703,14 +3705,14 @@
           </a:ln>
           <a:effectLst/>
           <a:extLst>
-            <a:ext uri="{909E8E84-426E-40DD-AFC4-6F175D3DCCD1}">
+            <a:ext uri="{909E8E84-426E-40dd-AFC4-6F175D3DCCD1}">
               <a14:hiddenFill xmlns:a14="http://schemas.microsoft.com/office/drawing/2010/main">
                 <a:solidFill>
                   <a:schemeClr val="accent1"/>
                 </a:solidFill>
               </a14:hiddenFill>
             </a:ext>
-            <a:ext uri="{91240B29-F687-4F45-9708-019B960494DF}">
+            <a:ext uri="{91240B29-F687-4f45-9708-019B960494DF}">
               <a14:hiddenLine xmlns:a14="http://schemas.microsoft.com/office/drawing/2010/main" w="9525">
                 <a:solidFill>
                   <a:schemeClr val="tx1"/>
@@ -3720,7 +3722,7 @@
                 <a:tailEnd/>
               </a14:hiddenLine>
             </a:ext>
-            <a:ext uri="{AF507438-7753-43E0-B8FC-AC1667EBCBE1}">
+            <a:ext uri="{AF507438-7753-43e0-B8FC-AC1667EBCBE1}">
               <a14:hiddenEffects xmlns:a14="http://schemas.microsoft.com/office/drawing/2010/main">
                 <a:effectLst>
                   <a:outerShdw dist="35921" dir="2700000" algn="ctr" rotWithShape="0">
@@ -3771,14 +3773,14 @@
           </a:ln>
           <a:effectLst/>
           <a:extLst>
-            <a:ext uri="{909E8E84-426E-40DD-AFC4-6F175D3DCCD1}">
+            <a:ext uri="{909E8E84-426E-40dd-AFC4-6F175D3DCCD1}">
               <a14:hiddenFill xmlns:a14="http://schemas.microsoft.com/office/drawing/2010/main">
                 <a:solidFill>
                   <a:schemeClr val="accent1"/>
                 </a:solidFill>
               </a14:hiddenFill>
             </a:ext>
-            <a:ext uri="{91240B29-F687-4F45-9708-019B960494DF}">
+            <a:ext uri="{91240B29-F687-4f45-9708-019B960494DF}">
               <a14:hiddenLine xmlns:a14="http://schemas.microsoft.com/office/drawing/2010/main" w="9525">
                 <a:solidFill>
                   <a:schemeClr val="tx1"/>
@@ -3788,7 +3790,7 @@
                 <a:tailEnd/>
               </a14:hiddenLine>
             </a:ext>
-            <a:ext uri="{AF507438-7753-43E0-B8FC-AC1667EBCBE1}">
+            <a:ext uri="{AF507438-7753-43e0-B8FC-AC1667EBCBE1}">
               <a14:hiddenEffects xmlns:a14="http://schemas.microsoft.com/office/drawing/2010/main">
                 <a:effectLst>
                   <a:outerShdw dist="35921" dir="2700000" algn="ctr" rotWithShape="0">
@@ -3839,14 +3841,14 @@
           </a:ln>
           <a:effectLst/>
           <a:extLst>
-            <a:ext uri="{909E8E84-426E-40DD-AFC4-6F175D3DCCD1}">
+            <a:ext uri="{909E8E84-426E-40dd-AFC4-6F175D3DCCD1}">
               <a14:hiddenFill xmlns:a14="http://schemas.microsoft.com/office/drawing/2010/main">
                 <a:solidFill>
                   <a:schemeClr val="accent1"/>
                 </a:solidFill>
               </a14:hiddenFill>
             </a:ext>
-            <a:ext uri="{91240B29-F687-4F45-9708-019B960494DF}">
+            <a:ext uri="{91240B29-F687-4f45-9708-019B960494DF}">
               <a14:hiddenLine xmlns:a14="http://schemas.microsoft.com/office/drawing/2010/main" w="9525">
                 <a:solidFill>
                   <a:schemeClr val="tx1"/>
@@ -3856,7 +3858,7 @@
                 <a:tailEnd/>
               </a14:hiddenLine>
             </a:ext>
-            <a:ext uri="{AF507438-7753-43E0-B8FC-AC1667EBCBE1}">
+            <a:ext uri="{AF507438-7753-43e0-B8FC-AC1667EBCBE1}">
               <a14:hiddenEffects xmlns:a14="http://schemas.microsoft.com/office/drawing/2010/main">
                 <a:effectLst>
                   <a:outerShdw dist="35921" dir="2700000" algn="ctr" rotWithShape="0">
@@ -3882,7 +3884,7 @@
             <a:fld id="{06D5C418-E929-4993-B879-6E5627D02A87}" type="slidenum">
               <a:rPr lang="en-US" altLang="en-US"/>
               <a:pPr/>
-              <a:t>‹#›</a:t>
+              <a:t>‹Nr.›</a:t>
             </a:fld>
             <a:endParaRPr lang="en-US" altLang="en-US"/>
           </a:p>
@@ -4389,7 +4391,7 @@
   <p:timing>
     <p:tnLst>
       <p:par>
-        <p:cTn id="1" dur="indefinite" restart="never" nodeType="tmRoot"/>
+        <p:cTn xmlns:p14="http://schemas.microsoft.com/office/powerpoint/2010/main" id="1" dur="indefinite" restart="never" nodeType="tmRoot"/>
       </p:par>
     </p:tnLst>
   </p:timing>
@@ -4478,7 +4480,7 @@
   <p:timing>
     <p:tnLst>
       <p:par>
-        <p:cTn id="1" dur="indefinite" restart="never" nodeType="tmRoot"/>
+        <p:cTn xmlns:p14="http://schemas.microsoft.com/office/powerpoint/2010/main" id="1" dur="indefinite" restart="never" nodeType="tmRoot"/>
       </p:par>
     </p:tnLst>
   </p:timing>
@@ -4533,7 +4535,7 @@
                 </a:solidFill>
                 <a:latin typeface="Comic Sans MS" pitchFamily="66" charset="0"/>
               </a:rPr>
-              <a:t>touch</a:t>
+              <a:t>change</a:t>
             </a:r>
             <a:r>
               <a:rPr lang="de-AT" b="1" dirty="0" smtClean="0">
@@ -4619,6 +4621,13 @@
   <p:clrMapOvr>
     <a:masterClrMapping/>
   </p:clrMapOvr>
+  <p:timing>
+    <p:tnLst>
+      <p:par>
+        <p:cTn xmlns:p14="http://schemas.microsoft.com/office/powerpoint/2010/main" id="1" dur="indefinite" restart="never" nodeType="tmRoot"/>
+      </p:par>
+    </p:tnLst>
+  </p:timing>
 </p:sld>
 </file>
 
@@ -4694,6 +4703,13 @@
   <p:clrMapOvr>
     <a:masterClrMapping/>
   </p:clrMapOvr>
+  <p:timing>
+    <p:tnLst>
+      <p:par>
+        <p:cTn xmlns:p14="http://schemas.microsoft.com/office/powerpoint/2010/main" id="1" dur="indefinite" restart="never" nodeType="tmRoot"/>
+      </p:par>
+    </p:tnLst>
+  </p:timing>
 </p:sld>
 </file>
 
@@ -4904,7 +4920,7 @@
   <p:timing>
     <p:tnLst>
       <p:par>
-        <p:cTn id="1" dur="indefinite" restart="never" nodeType="tmRoot"/>
+        <p:cTn xmlns:p14="http://schemas.microsoft.com/office/powerpoint/2010/main" id="1" dur="indefinite" restart="never" nodeType="tmRoot"/>
       </p:par>
     </p:tnLst>
   </p:timing>
@@ -5437,7 +5453,7 @@
   <p:timing>
     <p:tnLst>
       <p:par>
-        <p:cTn id="1" dur="indefinite" restart="never" nodeType="tmRoot"/>
+        <p:cTn xmlns:p14="http://schemas.microsoft.com/office/powerpoint/2010/main" id="1" dur="indefinite" restart="never" nodeType="tmRoot"/>
       </p:par>
     </p:tnLst>
   </p:timing>
@@ -5674,7 +5690,7 @@
   <p:timing>
     <p:tnLst>
       <p:par>
-        <p:cTn id="1" dur="indefinite" restart="never" nodeType="tmRoot"/>
+        <p:cTn xmlns:p14="http://schemas.microsoft.com/office/powerpoint/2010/main" id="1" dur="indefinite" restart="never" nodeType="tmRoot"/>
       </p:par>
     </p:tnLst>
   </p:timing>
@@ -5837,72 +5853,36 @@
           </a:p>
         </p:txBody>
       </p:sp>
-      <p:sp>
-        <p:nvSpPr>
-          <p:cNvPr id="4" name="Textfeld 3"/>
-          <p:cNvSpPr txBox="1"/>
+      <p:pic>
+        <p:nvPicPr>
+          <p:cNvPr id="5" name="Bild 4" descr="exprinterface.png"/>
+          <p:cNvPicPr>
+            <a:picLocks noChangeAspect="1"/>
+          </p:cNvPicPr>
           <p:nvPr/>
-        </p:nvSpPr>
+        </p:nvPicPr>
+        <p:blipFill>
+          <a:blip r:embed="rId2">
+            <a:extLst>
+              <a:ext uri="{28A0092B-C50C-407E-A947-70E740481C1C}">
+                <a14:useLocalDpi xmlns:a14="http://schemas.microsoft.com/office/drawing/2010/main" val="0"/>
+              </a:ext>
+            </a:extLst>
+          </a:blip>
+          <a:stretch>
+            <a:fillRect/>
+          </a:stretch>
+        </p:blipFill>
         <p:spPr>
           <a:xfrm>
-            <a:off x="3995936" y="5517232"/>
-            <a:ext cx="4901535" cy="461665"/>
+            <a:off x="5004048" y="3645024"/>
+            <a:ext cx="3672408" cy="2264334"/>
           </a:xfrm>
           <a:prstGeom prst="rect">
             <a:avLst/>
           </a:prstGeom>
-          <a:noFill/>
         </p:spPr>
-        <p:txBody>
-          <a:bodyPr wrap="none" rtlCol="0">
-            <a:spAutoFit/>
-          </a:bodyPr>
-          <a:lstStyle/>
-          <a:p>
-            <a:r>
-              <a:rPr lang="de-AT" dirty="0" smtClean="0"/>
-              <a:t>TODO: </a:t>
-            </a:r>
-            <a:r>
-              <a:rPr lang="de-AT" dirty="0" err="1" smtClean="0"/>
-              <a:t>Screenshot</a:t>
-            </a:r>
-            <a:r>
-              <a:rPr lang="de-AT" dirty="0" smtClean="0"/>
-              <a:t> </a:t>
-            </a:r>
-            <a:r>
-              <a:rPr lang="de-AT" dirty="0" err="1" smtClean="0"/>
-              <a:t>of</a:t>
-            </a:r>
-            <a:r>
-              <a:rPr lang="de-AT" dirty="0" smtClean="0"/>
-              <a:t> </a:t>
-            </a:r>
-            <a:r>
-              <a:rPr lang="de-AT" dirty="0" err="1" smtClean="0"/>
-              <a:t>the</a:t>
-            </a:r>
-            <a:r>
-              <a:rPr lang="de-AT" dirty="0" smtClean="0"/>
-              <a:t> </a:t>
-            </a:r>
-            <a:r>
-              <a:rPr lang="de-AT" dirty="0" err="1" smtClean="0"/>
-              <a:t>ecore</a:t>
-            </a:r>
-            <a:r>
-              <a:rPr lang="de-AT" dirty="0" smtClean="0"/>
-              <a:t> </a:t>
-            </a:r>
-            <a:r>
-              <a:rPr lang="de-AT" dirty="0" err="1" smtClean="0"/>
-              <a:t>object</a:t>
-            </a:r>
-            <a:endParaRPr lang="de-AT" dirty="0"/>
-          </a:p>
-        </p:txBody>
-      </p:sp>
+      </p:pic>
     </p:spTree>
     <p:extLst>
       <p:ext uri="{BB962C8B-B14F-4D97-AF65-F5344CB8AC3E}">
@@ -5916,7 +5896,7 @@
   <p:timing>
     <p:tnLst>
       <p:par>
-        <p:cTn id="1" dur="indefinite" restart="never" nodeType="tmRoot"/>
+        <p:cTn xmlns:p14="http://schemas.microsoft.com/office/powerpoint/2010/main" id="1" dur="indefinite" restart="never" nodeType="tmRoot"/>
       </p:par>
     </p:tnLst>
   </p:timing>
@@ -6125,7 +6105,7 @@
   <p:timing>
     <p:tnLst>
       <p:par>
-        <p:cTn id="1" dur="indefinite" restart="never" nodeType="tmRoot"/>
+        <p:cTn xmlns:p14="http://schemas.microsoft.com/office/powerpoint/2010/main" id="1" dur="indefinite" restart="never" nodeType="tmRoot"/>
       </p:par>
     </p:tnLst>
   </p:timing>
@@ -6334,7 +6314,7 @@
   <p:timing>
     <p:tnLst>
       <p:par>
-        <p:cTn id="1" dur="indefinite" restart="never" nodeType="tmRoot"/>
+        <p:cTn xmlns:p14="http://schemas.microsoft.com/office/powerpoint/2010/main" id="1" dur="indefinite" restart="never" nodeType="tmRoot"/>
       </p:par>
     </p:tnLst>
   </p:timing>
@@ -6479,7 +6459,7 @@
   <p:timing>
     <p:tnLst>
       <p:par>
-        <p:cTn id="1" dur="indefinite" restart="never" nodeType="tmRoot"/>
+        <p:cTn xmlns:p14="http://schemas.microsoft.com/office/powerpoint/2010/main" id="1" dur="indefinite" restart="never" nodeType="tmRoot"/>
       </p:par>
     </p:tnLst>
   </p:timing>
@@ -6581,11 +6561,7 @@
           <a:p>
             <a:r>
               <a:rPr lang="de-AT" dirty="0" smtClean="0"/>
-              <a:t>Quick </a:t>
-            </a:r>
-            <a:r>
-              <a:rPr lang="de-AT" dirty="0" smtClean="0"/>
-              <a:t>Fix</a:t>
+              <a:t>Quick Fix</a:t>
             </a:r>
           </a:p>
           <a:p>
@@ -6593,7 +6569,6 @@
               <a:rPr lang="de-AT" dirty="0" smtClean="0"/>
               <a:t>Unit Test</a:t>
             </a:r>
-            <a:endParaRPr lang="de-AT" dirty="0" smtClean="0"/>
           </a:p>
           <a:p>
             <a:endParaRPr lang="de-AT" dirty="0" smtClean="0"/>
@@ -6616,6 +6591,13 @@
   <p:clrMapOvr>
     <a:masterClrMapping/>
   </p:clrMapOvr>
+  <p:timing>
+    <p:tnLst>
+      <p:par>
+        <p:cTn xmlns:p14="http://schemas.microsoft.com/office/powerpoint/2010/main" id="1" dur="indefinite" restart="never" nodeType="tmRoot"/>
+      </p:par>
+    </p:tnLst>
+  </p:timing>
 </p:sld>
 </file>
 
@@ -6760,7 +6742,7 @@
   <p:timing>
     <p:tnLst>
       <p:par>
-        <p:cTn id="1" dur="indefinite" restart="never" nodeType="tmRoot"/>
+        <p:cTn xmlns:p14="http://schemas.microsoft.com/office/powerpoint/2010/main" id="1" dur="indefinite" restart="never" nodeType="tmRoot"/>
       </p:par>
     </p:tnLst>
   </p:timing>
@@ -6968,7 +6950,7 @@
   <p:timing>
     <p:tnLst>
       <p:par>
-        <p:cTn id="1" dur="indefinite" restart="never" nodeType="tmRoot"/>
+        <p:cTn xmlns:p14="http://schemas.microsoft.com/office/powerpoint/2010/main" id="1" dur="indefinite" restart="never" nodeType="tmRoot"/>
       </p:par>
     </p:tnLst>
   </p:timing>
@@ -7120,7 +7102,7 @@
   <p:timing>
     <p:tnLst>
       <p:par>
-        <p:cTn id="1" dur="indefinite" restart="never" nodeType="tmRoot"/>
+        <p:cTn xmlns:p14="http://schemas.microsoft.com/office/powerpoint/2010/main" id="1" dur="indefinite" restart="never" nodeType="tmRoot"/>
       </p:par>
     </p:tnLst>
   </p:timing>
@@ -7293,7 +7275,7 @@
   <p:timing>
     <p:tnLst>
       <p:par>
-        <p:cTn id="1" dur="indefinite" restart="never" nodeType="tmRoot"/>
+        <p:cTn xmlns:p14="http://schemas.microsoft.com/office/powerpoint/2010/main" id="1" dur="indefinite" restart="never" nodeType="tmRoot"/>
       </p:par>
     </p:tnLst>
   </p:timing>
@@ -7369,6 +7351,13 @@
   <p:clrMapOvr>
     <a:masterClrMapping/>
   </p:clrMapOvr>
+  <p:timing>
+    <p:tnLst>
+      <p:par>
+        <p:cTn xmlns:p14="http://schemas.microsoft.com/office/powerpoint/2010/main" id="1" dur="indefinite" restart="never" nodeType="tmRoot"/>
+      </p:par>
+    </p:tnLst>
+  </p:timing>
 </p:sld>
 </file>
 
@@ -7446,14 +7435,14 @@
             <a:noFill/>
           </a:ln>
           <a:extLst>
-            <a:ext uri="{909E8E84-426E-40DD-AFC4-6F175D3DCCD1}">
+            <a:ext uri="{909E8E84-426E-40dd-AFC4-6F175D3DCCD1}">
               <a14:hiddenFill xmlns:a14="http://schemas.microsoft.com/office/drawing/2010/main">
                 <a:solidFill>
                   <a:schemeClr val="accent1"/>
                 </a:solidFill>
               </a14:hiddenFill>
             </a:ext>
-            <a:ext uri="{91240B29-F687-4F45-9708-019B960494DF}">
+            <a:ext uri="{91240B29-F687-4f45-9708-019B960494DF}">
               <a14:hiddenLine xmlns:a14="http://schemas.microsoft.com/office/drawing/2010/main" w="9525">
                 <a:solidFill>
                   <a:schemeClr val="tx1"/>
@@ -7476,6 +7465,13 @@
   <p:clrMapOvr>
     <a:masterClrMapping/>
   </p:clrMapOvr>
+  <p:timing>
+    <p:tnLst>
+      <p:par>
+        <p:cTn xmlns:p14="http://schemas.microsoft.com/office/powerpoint/2010/main" id="1" dur="indefinite" restart="never" nodeType="tmRoot"/>
+      </p:par>
+    </p:tnLst>
+  </p:timing>
 </p:sld>
 </file>
 
@@ -7553,14 +7549,14 @@
             <a:noFill/>
           </a:ln>
           <a:extLst>
-            <a:ext uri="{909E8E84-426E-40DD-AFC4-6F175D3DCCD1}">
+            <a:ext uri="{909E8E84-426E-40dd-AFC4-6F175D3DCCD1}">
               <a14:hiddenFill xmlns:a14="http://schemas.microsoft.com/office/drawing/2010/main">
                 <a:solidFill>
                   <a:schemeClr val="accent1"/>
                 </a:solidFill>
               </a14:hiddenFill>
             </a:ext>
-            <a:ext uri="{91240B29-F687-4F45-9708-019B960494DF}">
+            <a:ext uri="{91240B29-F687-4f45-9708-019B960494DF}">
               <a14:hiddenLine xmlns:a14="http://schemas.microsoft.com/office/drawing/2010/main" w="9525">
                 <a:solidFill>
                   <a:schemeClr val="tx1"/>
@@ -7583,6 +7579,13 @@
   <p:clrMapOvr>
     <a:masterClrMapping/>
   </p:clrMapOvr>
+  <p:timing>
+    <p:tnLst>
+      <p:par>
+        <p:cTn xmlns:p14="http://schemas.microsoft.com/office/powerpoint/2010/main" id="1" dur="indefinite" restart="never" nodeType="tmRoot"/>
+      </p:par>
+    </p:tnLst>
+  </p:timing>
 </p:sld>
 </file>
 
@@ -7660,14 +7663,14 @@
             <a:noFill/>
           </a:ln>
           <a:extLst>
-            <a:ext uri="{909E8E84-426E-40DD-AFC4-6F175D3DCCD1}">
+            <a:ext uri="{909E8E84-426E-40dd-AFC4-6F175D3DCCD1}">
               <a14:hiddenFill xmlns:a14="http://schemas.microsoft.com/office/drawing/2010/main">
                 <a:solidFill>
                   <a:schemeClr val="accent1"/>
                 </a:solidFill>
               </a14:hiddenFill>
             </a:ext>
-            <a:ext uri="{91240B29-F687-4F45-9708-019B960494DF}">
+            <a:ext uri="{91240B29-F687-4f45-9708-019B960494DF}">
               <a14:hiddenLine xmlns:a14="http://schemas.microsoft.com/office/drawing/2010/main" w="9525">
                 <a:solidFill>
                   <a:schemeClr val="tx1"/>
@@ -7690,6 +7693,13 @@
   <p:clrMapOvr>
     <a:masterClrMapping/>
   </p:clrMapOvr>
+  <p:timing>
+    <p:tnLst>
+      <p:par>
+        <p:cTn xmlns:p14="http://schemas.microsoft.com/office/powerpoint/2010/main" id="1" dur="indefinite" restart="never" nodeType="tmRoot"/>
+      </p:par>
+    </p:tnLst>
+  </p:timing>
 </p:sld>
 </file>
 
@@ -7767,14 +7777,14 @@
             <a:noFill/>
           </a:ln>
           <a:extLst>
-            <a:ext uri="{909E8E84-426E-40DD-AFC4-6F175D3DCCD1}">
+            <a:ext uri="{909E8E84-426E-40dd-AFC4-6F175D3DCCD1}">
               <a14:hiddenFill xmlns:a14="http://schemas.microsoft.com/office/drawing/2010/main">
                 <a:solidFill>
                   <a:schemeClr val="accent1"/>
                 </a:solidFill>
               </a14:hiddenFill>
             </a:ext>
-            <a:ext uri="{91240B29-F687-4F45-9708-019B960494DF}">
+            <a:ext uri="{91240B29-F687-4f45-9708-019B960494DF}">
               <a14:hiddenLine xmlns:a14="http://schemas.microsoft.com/office/drawing/2010/main" w="9525">
                 <a:solidFill>
                   <a:schemeClr val="tx1"/>
@@ -7821,14 +7831,14 @@
             <a:noFill/>
           </a:ln>
           <a:extLst>
-            <a:ext uri="{909E8E84-426E-40DD-AFC4-6F175D3DCCD1}">
+            <a:ext uri="{909E8E84-426E-40dd-AFC4-6F175D3DCCD1}">
               <a14:hiddenFill xmlns:a14="http://schemas.microsoft.com/office/drawing/2010/main">
                 <a:solidFill>
                   <a:schemeClr val="accent1"/>
                 </a:solidFill>
               </a14:hiddenFill>
             </a:ext>
-            <a:ext uri="{91240B29-F687-4F45-9708-019B960494DF}">
+            <a:ext uri="{91240B29-F687-4f45-9708-019B960494DF}">
               <a14:hiddenLine xmlns:a14="http://schemas.microsoft.com/office/drawing/2010/main" w="9525">
                 <a:solidFill>
                   <a:schemeClr val="tx1"/>
@@ -7851,6 +7861,13 @@
   <p:clrMapOvr>
     <a:masterClrMapping/>
   </p:clrMapOvr>
+  <p:timing>
+    <p:tnLst>
+      <p:par>
+        <p:cTn xmlns:p14="http://schemas.microsoft.com/office/powerpoint/2010/main" id="1" dur="indefinite" restart="never" nodeType="tmRoot"/>
+      </p:par>
+    </p:tnLst>
+  </p:timing>
 </p:sld>
 </file>
 
@@ -7928,14 +7945,14 @@
             <a:noFill/>
           </a:ln>
           <a:extLst>
-            <a:ext uri="{909E8E84-426E-40DD-AFC4-6F175D3DCCD1}">
+            <a:ext uri="{909E8E84-426E-40dd-AFC4-6F175D3DCCD1}">
               <a14:hiddenFill xmlns:a14="http://schemas.microsoft.com/office/drawing/2010/main">
                 <a:solidFill>
                   <a:schemeClr val="accent1"/>
                 </a:solidFill>
               </a14:hiddenFill>
             </a:ext>
-            <a:ext uri="{91240B29-F687-4F45-9708-019B960494DF}">
+            <a:ext uri="{91240B29-F687-4f45-9708-019B960494DF}">
               <a14:hiddenLine xmlns:a14="http://schemas.microsoft.com/office/drawing/2010/main" w="9525">
                 <a:solidFill>
                   <a:schemeClr val="tx1"/>
@@ -7958,6 +7975,13 @@
   <p:clrMapOvr>
     <a:masterClrMapping/>
   </p:clrMapOvr>
+  <p:timing>
+    <p:tnLst>
+      <p:par>
+        <p:cTn xmlns:p14="http://schemas.microsoft.com/office/powerpoint/2010/main" id="1" dur="indefinite" restart="never" nodeType="tmRoot"/>
+      </p:par>
+    </p:tnLst>
+  </p:timing>
 </p:sld>
 </file>
 
@@ -8094,7 +8118,7 @@
   <p:timing>
     <p:tnLst>
       <p:par>
-        <p:cTn id="1" dur="indefinite" restart="never" nodeType="tmRoot"/>
+        <p:cTn xmlns:p14="http://schemas.microsoft.com/office/powerpoint/2010/main" id="1" dur="indefinite" restart="never" nodeType="tmRoot"/>
       </p:par>
     </p:tnLst>
   </p:timing>
@@ -8177,7 +8201,7 @@
   <p:timing>
     <p:tnLst>
       <p:par>
-        <p:cTn id="1" dur="indefinite" restart="never" nodeType="tmRoot"/>
+        <p:cTn xmlns:p14="http://schemas.microsoft.com/office/powerpoint/2010/main" id="1" dur="indefinite" restart="never" nodeType="tmRoot"/>
       </p:par>
     </p:tnLst>
   </p:timing>
@@ -8567,7 +8591,7 @@
   <p:timing>
     <p:tnLst>
       <p:par>
-        <p:cTn id="1" dur="indefinite" restart="never" nodeType="tmRoot"/>
+        <p:cTn xmlns:p14="http://schemas.microsoft.com/office/powerpoint/2010/main" id="1" dur="indefinite" restart="never" nodeType="tmRoot"/>
       </p:par>
     </p:tnLst>
   </p:timing>
@@ -8654,7 +8678,7 @@
   <p:timing>
     <p:tnLst>
       <p:par>
-        <p:cTn id="1" dur="indefinite" restart="never" nodeType="tmRoot"/>
+        <p:cTn xmlns:p14="http://schemas.microsoft.com/office/powerpoint/2010/main" id="1" dur="indefinite" restart="never" nodeType="tmRoot"/>
       </p:par>
     </p:tnLst>
   </p:timing>
@@ -8744,7 +8768,7 @@
           </a:prstGeom>
           <a:noFill/>
           <a:extLst>
-            <a:ext uri="{909E8E84-426E-40DD-AFC4-6F175D3DCCD1}">
+            <a:ext uri="{909E8E84-426E-40dd-AFC4-6F175D3DCCD1}">
               <a14:hiddenFill xmlns:a14="http://schemas.microsoft.com/office/drawing/2010/main">
                 <a:solidFill>
                   <a:srgbClr val="FFFFFF"/>
@@ -8767,7 +8791,7 @@
   <p:timing>
     <p:tnLst>
       <p:par>
-        <p:cTn id="1" dur="indefinite" restart="never" nodeType="tmRoot"/>
+        <p:cTn xmlns:p14="http://schemas.microsoft.com/office/powerpoint/2010/main" id="1" dur="indefinite" restart="never" nodeType="tmRoot"/>
       </p:par>
     </p:tnLst>
   </p:timing>
@@ -9040,7 +9064,7 @@
   <p:timing>
     <p:tnLst>
       <p:par>
-        <p:cTn id="1" dur="indefinite" restart="never" nodeType="tmRoot"/>
+        <p:cTn xmlns:p14="http://schemas.microsoft.com/office/powerpoint/2010/main" id="1" dur="indefinite" restart="never" nodeType="tmRoot"/>
       </p:par>
     </p:tnLst>
   </p:timing>
@@ -9326,7 +9350,7 @@
   <p:timing>
     <p:tnLst>
       <p:par>
-        <p:cTn id="1" dur="indefinite" restart="never" nodeType="tmRoot"/>
+        <p:cTn xmlns:p14="http://schemas.microsoft.com/office/powerpoint/2010/main" id="1" dur="indefinite" restart="never" nodeType="tmRoot"/>
       </p:par>
     </p:tnLst>
   </p:timing>
@@ -9587,6 +9611,13 @@
   <p:clrMapOvr>
     <a:masterClrMapping/>
   </p:clrMapOvr>
+  <p:timing>
+    <p:tnLst>
+      <p:par>
+        <p:cTn xmlns:p14="http://schemas.microsoft.com/office/powerpoint/2010/main" id="1" dur="indefinite" restart="never" nodeType="tmRoot"/>
+      </p:par>
+    </p:tnLst>
+  </p:timing>
 </p:sld>
 </file>
 
@@ -10004,7 +10035,7 @@
   <p:timing>
     <p:tnLst>
       <p:par>
-        <p:cTn id="1" dur="indefinite" restart="never" nodeType="tmRoot"/>
+        <p:cTn xmlns:p14="http://schemas.microsoft.com/office/powerpoint/2010/main" id="1" dur="indefinite" restart="never" nodeType="tmRoot"/>
       </p:par>
     </p:tnLst>
   </p:timing>
@@ -10079,6 +10110,13 @@
   <p:clrMapOvr>
     <a:masterClrMapping/>
   </p:clrMapOvr>
+  <p:timing>
+    <p:tnLst>
+      <p:par>
+        <p:cTn xmlns:p14="http://schemas.microsoft.com/office/powerpoint/2010/main" id="1" dur="indefinite" restart="never" nodeType="tmRoot"/>
+      </p:par>
+    </p:tnLst>
+  </p:timing>
 </p:sld>
 </file>
 
@@ -10216,6 +10254,13 @@
   <p:clrMapOvr>
     <a:masterClrMapping/>
   </p:clrMapOvr>
+  <p:timing>
+    <p:tnLst>
+      <p:par>
+        <p:cTn xmlns:p14="http://schemas.microsoft.com/office/powerpoint/2010/main" id="1" dur="indefinite" restart="never" nodeType="tmRoot"/>
+      </p:par>
+    </p:tnLst>
+  </p:timing>
 </p:sld>
 </file>
 
@@ -10345,7 +10390,7 @@
   <p:timing>
     <p:tnLst>
       <p:par>
-        <p:cTn id="1" dur="indefinite" restart="never" nodeType="tmRoot"/>
+        <p:cTn xmlns:p14="http://schemas.microsoft.com/office/powerpoint/2010/main" id="1" dur="indefinite" restart="never" nodeType="tmRoot"/>
       </p:par>
     </p:tnLst>
   </p:timing>
@@ -10543,6 +10588,13 @@
   <p:clrMapOvr>
     <a:masterClrMapping/>
   </p:clrMapOvr>
+  <p:timing>
+    <p:tnLst>
+      <p:par>
+        <p:cTn xmlns:p14="http://schemas.microsoft.com/office/powerpoint/2010/main" id="1" dur="indefinite" restart="never" nodeType="tmRoot"/>
+      </p:par>
+    </p:tnLst>
+  </p:timing>
 </p:sld>
 </file>
 
@@ -10618,6 +10670,13 @@
   <p:clrMapOvr>
     <a:masterClrMapping/>
   </p:clrMapOvr>
+  <p:timing>
+    <p:tnLst>
+      <p:par>
+        <p:cTn xmlns:p14="http://schemas.microsoft.com/office/powerpoint/2010/main" id="1" dur="indefinite" restart="never" nodeType="tmRoot"/>
+      </p:par>
+    </p:tnLst>
+  </p:timing>
 </p:sld>
 </file>
 
@@ -10907,6 +10966,13 @@
   <p:clrMapOvr>
     <a:masterClrMapping/>
   </p:clrMapOvr>
+  <p:timing>
+    <p:tnLst>
+      <p:par>
+        <p:cTn xmlns:p14="http://schemas.microsoft.com/office/powerpoint/2010/main" id="1" dur="indefinite" restart="never" nodeType="tmRoot"/>
+      </p:par>
+    </p:tnLst>
+  </p:timing>
 </p:sld>
 </file>
 
@@ -11002,7 +11068,7 @@
   <p:timing>
     <p:tnLst>
       <p:par>
-        <p:cTn id="1" dur="indefinite" restart="never" nodeType="tmRoot"/>
+        <p:cTn xmlns:p14="http://schemas.microsoft.com/office/powerpoint/2010/main" id="1" dur="indefinite" restart="never" nodeType="tmRoot"/>
       </p:par>
     </p:tnLst>
   </p:timing>
@@ -11110,6 +11176,13 @@
   <p:clrMapOvr>
     <a:masterClrMapping/>
   </p:clrMapOvr>
+  <p:timing>
+    <p:tnLst>
+      <p:par>
+        <p:cTn xmlns:p14="http://schemas.microsoft.com/office/powerpoint/2010/main" id="1" dur="indefinite" restart="never" nodeType="tmRoot"/>
+      </p:par>
+    </p:tnLst>
+  </p:timing>
 </p:sld>
 </file>
 
@@ -11351,6 +11424,13 @@
   <p:clrMapOvr>
     <a:masterClrMapping/>
   </p:clrMapOvr>
+  <p:timing>
+    <p:tnLst>
+      <p:par>
+        <p:cTn xmlns:p14="http://schemas.microsoft.com/office/powerpoint/2010/main" id="1" dur="indefinite" restart="never" nodeType="tmRoot"/>
+      </p:par>
+    </p:tnLst>
+  </p:timing>
 </p:sld>
 </file>
 
@@ -11427,8 +11507,14 @@
                 </a:solidFill>
                 <a:latin typeface="Comic Sans MS" pitchFamily="66" charset="0"/>
               </a:rPr>
-              <a:t>  @Check</a:t>
-            </a:r>
+              <a:t> </a:t>
+            </a:r>
+            <a:endParaRPr lang="de-AT" sz="2000" dirty="0" smtClean="0">
+              <a:solidFill>
+                <a:srgbClr val="FF0000"/>
+              </a:solidFill>
+              <a:latin typeface="Comic Sans MS" pitchFamily="66" charset="0"/>
+            </a:endParaRPr>
           </a:p>
           <a:p>
             <a:pPr>
@@ -11441,37 +11527,7 @@
                 </a:solidFill>
                 <a:latin typeface="Comic Sans MS" pitchFamily="66" charset="0"/>
               </a:rPr>
-              <a:t>  </a:t>
-            </a:r>
-            <a:r>
-              <a:rPr lang="de-AT" sz="2000" dirty="0" err="1" smtClean="0">
-                <a:latin typeface="Comic Sans MS" pitchFamily="66" charset="0"/>
-              </a:rPr>
-              <a:t>public</a:t>
-            </a:r>
-            <a:r>
-              <a:rPr lang="de-AT" sz="2000" dirty="0" smtClean="0">
-                <a:latin typeface="Comic Sans MS" pitchFamily="66" charset="0"/>
-              </a:rPr>
               <a:t> </a:t>
-            </a:r>
-            <a:r>
-              <a:rPr lang="de-AT" sz="2000" dirty="0" err="1" smtClean="0">
-                <a:latin typeface="Comic Sans MS" pitchFamily="66" charset="0"/>
-              </a:rPr>
-              <a:t>void</a:t>
-            </a:r>
-            <a:r>
-              <a:rPr lang="de-AT" sz="2000" dirty="0" smtClean="0">
-                <a:latin typeface="Comic Sans MS" pitchFamily="66" charset="0"/>
-              </a:rPr>
-              <a:t> </a:t>
-            </a:r>
-            <a:r>
-              <a:rPr lang="de-AT" sz="2000" dirty="0" err="1" smtClean="0">
-                <a:latin typeface="Comic Sans MS" pitchFamily="66" charset="0"/>
-              </a:rPr>
-              <a:t>checkDoubleVariableDeclaration</a:t>
             </a:r>
             <a:r>
               <a:rPr lang="de-AT" sz="2000" dirty="0" smtClean="0">
@@ -11480,6 +11536,59 @@
                 </a:solidFill>
                 <a:latin typeface="Comic Sans MS" pitchFamily="66" charset="0"/>
               </a:rPr>
+              <a:t>@Check</a:t>
+            </a:r>
+          </a:p>
+          <a:p>
+            <a:pPr>
+              <a:buNone/>
+            </a:pPr>
+            <a:r>
+              <a:rPr lang="de-AT" sz="2000" dirty="0" smtClean="0">
+                <a:solidFill>
+                  <a:srgbClr val="FF0000"/>
+                </a:solidFill>
+                <a:latin typeface="Comic Sans MS" pitchFamily="66" charset="0"/>
+              </a:rPr>
+              <a:t>  </a:t>
+            </a:r>
+            <a:r>
+              <a:rPr lang="de-AT" sz="2000" dirty="0" err="1" smtClean="0">
+                <a:latin typeface="Comic Sans MS" pitchFamily="66" charset="0"/>
+              </a:rPr>
+              <a:t>public</a:t>
+            </a:r>
+            <a:r>
+              <a:rPr lang="de-AT" sz="2000" dirty="0" smtClean="0">
+                <a:latin typeface="Comic Sans MS" pitchFamily="66" charset="0"/>
+              </a:rPr>
+              <a:t> </a:t>
+            </a:r>
+            <a:r>
+              <a:rPr lang="de-AT" sz="2000" dirty="0" err="1" smtClean="0">
+                <a:latin typeface="Comic Sans MS" pitchFamily="66" charset="0"/>
+              </a:rPr>
+              <a:t>void</a:t>
+            </a:r>
+            <a:r>
+              <a:rPr lang="de-AT" sz="2000" dirty="0" smtClean="0">
+                <a:latin typeface="Comic Sans MS" pitchFamily="66" charset="0"/>
+              </a:rPr>
+              <a:t> </a:t>
+            </a:r>
+            <a:r>
+              <a:rPr lang="de-AT" sz="2000" dirty="0" err="1" smtClean="0">
+                <a:latin typeface="Comic Sans MS" pitchFamily="66" charset="0"/>
+              </a:rPr>
+              <a:t>checkDoubleVariableDeclaration</a:t>
+            </a:r>
+            <a:r>
+              <a:rPr lang="de-AT" sz="2000" dirty="0" smtClean="0">
+                <a:solidFill>
+                  <a:srgbClr val="FF0000"/>
+                </a:solidFill>
+                <a:latin typeface="Comic Sans MS" pitchFamily="66" charset="0"/>
+              </a:rPr>
               <a:t>(</a:t>
             </a:r>
             <a:r>
@@ -11931,8 +12040,8 @@
         </p:nvSpPr>
         <p:spPr>
           <a:xfrm>
-            <a:off x="5940152" y="5733256"/>
-            <a:ext cx="2808312" cy="461665"/>
+            <a:off x="5508104" y="1340768"/>
+            <a:ext cx="3384376" cy="461665"/>
           </a:xfrm>
           <a:prstGeom prst="rect">
             <a:avLst/>
@@ -11951,7 +12060,31 @@
                   <a:srgbClr val="FF0000"/>
                 </a:solidFill>
               </a:rPr>
-              <a:t>TODO: URL</a:t>
+              <a:t>http://</a:t>
+            </a:r>
+            <a:r>
+              <a:rPr lang="de-AT" b="1" dirty="0" err="1" smtClean="0">
+                <a:solidFill>
+                  <a:srgbClr val="FF0000"/>
+                </a:solidFill>
+              </a:rPr>
+              <a:t>goo.gl</a:t>
+            </a:r>
+            <a:r>
+              <a:rPr lang="de-AT" b="1" dirty="0" smtClean="0">
+                <a:solidFill>
+                  <a:srgbClr val="FF0000"/>
+                </a:solidFill>
+              </a:rPr>
+              <a:t>/</a:t>
+            </a:r>
+            <a:r>
+              <a:rPr lang="de-AT" b="1" dirty="0" err="1" smtClean="0">
+                <a:solidFill>
+                  <a:srgbClr val="FF0000"/>
+                </a:solidFill>
+              </a:rPr>
+              <a:t>eVMfmV</a:t>
             </a:r>
             <a:endParaRPr lang="de-AT" b="1" dirty="0">
               <a:solidFill>
@@ -11966,6 +12099,13 @@
   <p:clrMapOvr>
     <a:masterClrMapping/>
   </p:clrMapOvr>
+  <p:timing>
+    <p:tnLst>
+      <p:par>
+        <p:cTn xmlns:p14="http://schemas.microsoft.com/office/powerpoint/2010/main" id="1" dur="indefinite" restart="never" nodeType="tmRoot"/>
+      </p:par>
+    </p:tnLst>
+  </p:timing>
 </p:sld>
 </file>
 
@@ -12037,6 +12177,13 @@
   <p:clrMapOvr>
     <a:masterClrMapping/>
   </p:clrMapOvr>
+  <p:timing>
+    <p:tnLst>
+      <p:par>
+        <p:cTn xmlns:p14="http://schemas.microsoft.com/office/powerpoint/2010/main" id="1" dur="indefinite" restart="never" nodeType="tmRoot"/>
+      </p:par>
+    </p:tnLst>
+  </p:timing>
 </p:sld>
 </file>
 
@@ -12175,6 +12322,13 @@
   <p:clrMapOvr>
     <a:masterClrMapping/>
   </p:clrMapOvr>
+  <p:timing>
+    <p:tnLst>
+      <p:par>
+        <p:cTn xmlns:p14="http://schemas.microsoft.com/office/powerpoint/2010/main" id="1" dur="indefinite" restart="never" nodeType="tmRoot"/>
+      </p:par>
+    </p:tnLst>
+  </p:timing>
 </p:sld>
 </file>
 
@@ -12468,6 +12622,13 @@
   <p:clrMapOvr>
     <a:masterClrMapping/>
   </p:clrMapOvr>
+  <p:timing>
+    <p:tnLst>
+      <p:par>
+        <p:cTn xmlns:p14="http://schemas.microsoft.com/office/powerpoint/2010/main" id="1" dur="indefinite" restart="never" nodeType="tmRoot"/>
+      </p:par>
+    </p:tnLst>
+  </p:timing>
 </p:sld>
 </file>
 
@@ -12663,7 +12824,7 @@
   <p:timing>
     <p:tnLst>
       <p:par>
-        <p:cTn id="1" dur="indefinite" restart="never" nodeType="tmRoot">
+        <p:cTn xmlns:p14="http://schemas.microsoft.com/office/powerpoint/2010/main" id="1" dur="indefinite" restart="never" nodeType="tmRoot">
           <p:childTnLst>
             <p:seq concurrent="1" nextAc="seek">
               <p:cTn id="2" dur="indefinite" nodeType="mainSeq">
@@ -13246,6 +13407,13 @@
   <p:clrMapOvr>
     <a:masterClrMapping/>
   </p:clrMapOvr>
+  <p:timing>
+    <p:tnLst>
+      <p:par>
+        <p:cTn xmlns:p14="http://schemas.microsoft.com/office/powerpoint/2010/main" id="1" dur="indefinite" restart="never" nodeType="tmRoot"/>
+      </p:par>
+    </p:tnLst>
+  </p:timing>
 </p:sld>
 </file>
 
@@ -13329,7 +13497,7 @@
   <p:timing>
     <p:tnLst>
       <p:par>
-        <p:cTn id="1" dur="indefinite" restart="never" nodeType="tmRoot"/>
+        <p:cTn xmlns:p14="http://schemas.microsoft.com/office/powerpoint/2010/main" id="1" dur="indefinite" restart="never" nodeType="tmRoot"/>
       </p:par>
     </p:tnLst>
   </p:timing>
@@ -13407,6 +13575,13 @@
   <p:clrMapOvr>
     <a:masterClrMapping/>
   </p:clrMapOvr>
+  <p:timing>
+    <p:tnLst>
+      <p:par>
+        <p:cTn xmlns:p14="http://schemas.microsoft.com/office/powerpoint/2010/main" id="1" dur="indefinite" restart="never" nodeType="tmRoot"/>
+      </p:par>
+    </p:tnLst>
+  </p:timing>
 </p:sld>
 </file>
 
@@ -15668,7 +15843,7 @@
   <p:timing>
     <p:tnLst>
       <p:par>
-        <p:cTn id="1" dur="indefinite" restart="never" nodeType="tmRoot"/>
+        <p:cTn xmlns:p14="http://schemas.microsoft.com/office/powerpoint/2010/main" id="1" dur="indefinite" restart="never" nodeType="tmRoot"/>
       </p:par>
     </p:tnLst>
   </p:timing>
@@ -17348,12 +17523,12 @@
       </p:grpSpPr>
       <p:sp>
         <p:nvSpPr>
-          <p:cNvPr id="2" name="Title 1"/>
+          <p:cNvPr id="4" name="Titel 3"/>
           <p:cNvSpPr>
             <a:spLocks noGrp="1"/>
           </p:cNvSpPr>
           <p:nvPr>
-            <p:ph type="title"/>
+            <p:ph type="ctrTitle"/>
           </p:nvPr>
         </p:nvSpPr>
         <p:spPr/>
@@ -17362,21 +17537,33 @@
           <a:lstStyle/>
           <a:p>
             <a:r>
-              <a:rPr lang="de-AT" dirty="0" smtClean="0"/>
-              <a:t>Summary</a:t>
-            </a:r>
-            <a:endParaRPr lang="en-US" dirty="0"/>
+              <a:rPr lang="de-AT" dirty="0" err="1" smtClean="0"/>
+              <a:t>Xtext</a:t>
+            </a:r>
+            <a:r>
+              <a:rPr lang="de-AT" dirty="0" smtClean="0"/>
+              <a:t>: </a:t>
+            </a:r>
+            <a:r>
+              <a:rPr lang="de-AT" dirty="0" err="1" smtClean="0"/>
+              <a:t>ByteCode</a:t>
+            </a:r>
+            <a:r>
+              <a:rPr lang="de-AT" dirty="0" smtClean="0"/>
+              <a:t> Generator</a:t>
+            </a:r>
+            <a:endParaRPr lang="de-AT" dirty="0"/>
           </a:p>
         </p:txBody>
       </p:sp>
       <p:sp>
         <p:nvSpPr>
-          <p:cNvPr id="3" name="Content Placeholder 2"/>
+          <p:cNvPr id="5" name="Untertitel 4"/>
           <p:cNvSpPr>
             <a:spLocks noGrp="1"/>
           </p:cNvSpPr>
           <p:nvPr>
-            <p:ph idx="1"/>
+            <p:ph type="subTitle" idx="1"/>
           </p:nvPr>
         </p:nvSpPr>
         <p:spPr/>
@@ -17384,35 +17571,14 @@
           <a:bodyPr/>
           <a:lstStyle/>
           <a:p>
-            <a:r>
-              <a:rPr lang="de-AT" dirty="0" smtClean="0"/>
-              <a:t>Textual DSL Framework</a:t>
-            </a:r>
-          </a:p>
-          <a:p>
-            <a:r>
-              <a:rPr lang="de-AT" dirty="0" smtClean="0"/>
-              <a:t>Highly configurable and flexible framework</a:t>
-            </a:r>
-          </a:p>
-          <a:p>
-            <a:r>
-              <a:rPr lang="de-AT" dirty="0" smtClean="0"/>
-              <a:t>Easy code generator implemenation</a:t>
-            </a:r>
-          </a:p>
-          <a:p>
-            <a:endParaRPr lang="de-AT" dirty="0" smtClean="0"/>
-          </a:p>
-          <a:p>
-            <a:endParaRPr lang="en-US" dirty="0"/>
+            <a:endParaRPr lang="de-AT" dirty="0"/>
           </a:p>
         </p:txBody>
       </p:sp>
     </p:spTree>
     <p:extLst>
       <p:ext uri="{BB962C8B-B14F-4D97-AF65-F5344CB8AC3E}">
-        <p14:creationId xmlns:p14="http://schemas.microsoft.com/office/powerpoint/2010/main" val="3711618821"/>
+        <p14:creationId xmlns:p14="http://schemas.microsoft.com/office/powerpoint/2010/main" val="1352727333"/>
       </p:ext>
     </p:extLst>
   </p:cSld>
@@ -17441,6 +17607,203 @@
       </p:grpSpPr>
       <p:sp>
         <p:nvSpPr>
+          <p:cNvPr id="2" name="Title 1"/>
+          <p:cNvSpPr>
+            <a:spLocks noGrp="1"/>
+          </p:cNvSpPr>
+          <p:nvPr>
+            <p:ph type="title"/>
+          </p:nvPr>
+        </p:nvSpPr>
+        <p:spPr/>
+        <p:txBody>
+          <a:bodyPr/>
+          <a:lstStyle/>
+          <a:p>
+            <a:r>
+              <a:rPr lang="de-AT" dirty="0" smtClean="0"/>
+              <a:t>Summary</a:t>
+            </a:r>
+            <a:endParaRPr lang="en-US" dirty="0"/>
+          </a:p>
+        </p:txBody>
+      </p:sp>
+      <p:sp>
+        <p:nvSpPr>
+          <p:cNvPr id="3" name="Content Placeholder 2"/>
+          <p:cNvSpPr>
+            <a:spLocks noGrp="1"/>
+          </p:cNvSpPr>
+          <p:nvPr>
+            <p:ph idx="1"/>
+          </p:nvPr>
+        </p:nvSpPr>
+        <p:spPr/>
+        <p:txBody>
+          <a:bodyPr/>
+          <a:lstStyle/>
+          <a:p>
+            <a:r>
+              <a:rPr lang="de-AT" dirty="0" smtClean="0"/>
+              <a:t>Textual DSL Framework</a:t>
+            </a:r>
+          </a:p>
+          <a:p>
+            <a:r>
+              <a:rPr lang="de-AT" dirty="0" smtClean="0"/>
+              <a:t>Highly configurable and flexible framework</a:t>
+            </a:r>
+          </a:p>
+          <a:p>
+            <a:r>
+              <a:rPr lang="de-AT" dirty="0" smtClean="0"/>
+              <a:t>Easy code </a:t>
+            </a:r>
+            <a:r>
+              <a:rPr lang="de-AT" dirty="0" err="1" smtClean="0"/>
+              <a:t>generator</a:t>
+            </a:r>
+            <a:r>
+              <a:rPr lang="de-AT" dirty="0" smtClean="0"/>
+              <a:t> </a:t>
+            </a:r>
+            <a:r>
+              <a:rPr lang="de-AT" dirty="0" err="1" smtClean="0"/>
+              <a:t>implemenation</a:t>
+            </a:r>
+            <a:endParaRPr lang="de-AT" dirty="0" smtClean="0"/>
+          </a:p>
+          <a:p>
+            <a:endParaRPr lang="de-AT" dirty="0"/>
+          </a:p>
+          <a:p>
+            <a:r>
+              <a:rPr lang="de-AT" dirty="0" smtClean="0"/>
+              <a:t>Demo Project: </a:t>
+            </a:r>
+          </a:p>
+          <a:p>
+            <a:pPr marL="0" indent="0">
+              <a:buNone/>
+            </a:pPr>
+            <a:r>
+              <a:rPr lang="de-AT" sz="2800" dirty="0">
+                <a:solidFill>
+                  <a:srgbClr val="FF0000"/>
+                </a:solidFill>
+                <a:latin typeface="Comic Sans MS"/>
+                <a:cs typeface="Comic Sans MS"/>
+              </a:rPr>
+              <a:t>https://</a:t>
+            </a:r>
+            <a:r>
+              <a:rPr lang="de-AT" sz="2800" dirty="0" err="1">
+                <a:solidFill>
+                  <a:srgbClr val="FF0000"/>
+                </a:solidFill>
+                <a:latin typeface="Comic Sans MS"/>
+                <a:cs typeface="Comic Sans MS"/>
+              </a:rPr>
+              <a:t>github.com</a:t>
+            </a:r>
+            <a:r>
+              <a:rPr lang="de-AT" sz="2800" dirty="0">
+                <a:solidFill>
+                  <a:srgbClr val="FF0000"/>
+                </a:solidFill>
+                <a:latin typeface="Comic Sans MS"/>
+                <a:cs typeface="Comic Sans MS"/>
+              </a:rPr>
+              <a:t>/</a:t>
+            </a:r>
+            <a:r>
+              <a:rPr lang="de-AT" sz="2800" dirty="0" err="1">
+                <a:solidFill>
+                  <a:srgbClr val="FF0000"/>
+                </a:solidFill>
+                <a:latin typeface="Comic Sans MS"/>
+                <a:cs typeface="Comic Sans MS"/>
+              </a:rPr>
+              <a:t>thomasfischl</a:t>
+            </a:r>
+            <a:r>
+              <a:rPr lang="de-AT" sz="2800" dirty="0">
+                <a:solidFill>
+                  <a:srgbClr val="FF0000"/>
+                </a:solidFill>
+                <a:latin typeface="Comic Sans MS"/>
+                <a:cs typeface="Comic Sans MS"/>
+              </a:rPr>
+              <a:t>/</a:t>
+            </a:r>
+            <a:r>
+              <a:rPr lang="de-AT" sz="2800" dirty="0" err="1">
+                <a:solidFill>
+                  <a:srgbClr val="FF0000"/>
+                </a:solidFill>
+                <a:latin typeface="Comic Sans MS"/>
+                <a:cs typeface="Comic Sans MS"/>
+              </a:rPr>
+              <a:t>xtext</a:t>
+            </a:r>
+            <a:r>
+              <a:rPr lang="de-AT" sz="2800" dirty="0">
+                <a:solidFill>
+                  <a:srgbClr val="FF0000"/>
+                </a:solidFill>
+                <a:latin typeface="Comic Sans MS"/>
+                <a:cs typeface="Comic Sans MS"/>
+              </a:rPr>
+              <a:t>-workshop</a:t>
+            </a:r>
+            <a:endParaRPr lang="de-AT" sz="2800" dirty="0" smtClean="0">
+              <a:solidFill>
+                <a:srgbClr val="FF0000"/>
+              </a:solidFill>
+              <a:latin typeface="Comic Sans MS"/>
+              <a:cs typeface="Comic Sans MS"/>
+            </a:endParaRPr>
+          </a:p>
+          <a:p>
+            <a:endParaRPr lang="de-AT" dirty="0" smtClean="0"/>
+          </a:p>
+          <a:p>
+            <a:endParaRPr lang="en-US" dirty="0"/>
+          </a:p>
+        </p:txBody>
+      </p:sp>
+    </p:spTree>
+    <p:extLst>
+      <p:ext uri="{BB962C8B-B14F-4D97-AF65-F5344CB8AC3E}">
+        <p14:creationId xmlns:p14="http://schemas.microsoft.com/office/powerpoint/2010/main" val="3711618821"/>
+      </p:ext>
+    </p:extLst>
+  </p:cSld>
+  <p:clrMapOvr>
+    <a:masterClrMapping/>
+  </p:clrMapOvr>
+</p:sld>
+</file>
+
+<file path=ppt/slides/slide66.xml><?xml version="1.0" encoding="utf-8"?>
+<p:sld xmlns:a="http://schemas.openxmlformats.org/drawingml/2006/main" xmlns:r="http://schemas.openxmlformats.org/officeDocument/2006/relationships" xmlns:p="http://schemas.openxmlformats.org/presentationml/2006/main">
+  <p:cSld>
+    <p:spTree>
+      <p:nvGrpSpPr>
+        <p:cNvPr id="1" name=""/>
+        <p:cNvGrpSpPr/>
+        <p:nvPr/>
+      </p:nvGrpSpPr>
+      <p:grpSpPr>
+        <a:xfrm>
+          <a:off x="0" y="0"/>
+          <a:ext cx="0" cy="0"/>
+          <a:chOff x="0" y="0"/>
+          <a:chExt cx="0" cy="0"/>
+        </a:xfrm>
+      </p:grpSpPr>
+      <p:sp>
+        <p:nvSpPr>
           <p:cNvPr id="2" name="Titel 1"/>
           <p:cNvSpPr>
             <a:spLocks noGrp="1"/>
@@ -17586,7 +17949,7 @@
 </p:sld>
 </file>
 
-<file path=ppt/slides/slide66.xml><?xml version="1.0" encoding="utf-8"?>
+<file path=ppt/slides/slide67.xml><?xml version="1.0" encoding="utf-8"?>
 <p:sld xmlns:a="http://schemas.openxmlformats.org/drawingml/2006/main" xmlns:r="http://schemas.openxmlformats.org/officeDocument/2006/relationships" xmlns:p="http://schemas.openxmlformats.org/presentationml/2006/main">
   <p:cSld>
     <p:spTree>
@@ -17726,7 +18089,7 @@
   <p:timing>
     <p:tnLst>
       <p:par>
-        <p:cTn id="1" dur="indefinite" restart="never" nodeType="tmRoot"/>
+        <p:cTn xmlns:p14="http://schemas.microsoft.com/office/powerpoint/2010/main" id="1" dur="indefinite" restart="never" nodeType="tmRoot"/>
       </p:par>
     </p:tnLst>
   </p:timing>
@@ -17882,7 +18245,7 @@
   <p:timing>
     <p:tnLst>
       <p:par>
-        <p:cTn id="1" dur="indefinite" restart="never" nodeType="tmRoot"/>
+        <p:cTn xmlns:p14="http://schemas.microsoft.com/office/powerpoint/2010/main" id="1" dur="indefinite" restart="never" nodeType="tmRoot"/>
       </p:par>
     </p:tnLst>
   </p:timing>
@@ -17966,7 +18329,7 @@
   <p:timing>
     <p:tnLst>
       <p:par>
-        <p:cTn id="1" dur="indefinite" restart="never" nodeType="tmRoot"/>
+        <p:cTn xmlns:p14="http://schemas.microsoft.com/office/powerpoint/2010/main" id="1" dur="indefinite" restart="never" nodeType="tmRoot"/>
       </p:par>
     </p:tnLst>
   </p:timing>
@@ -18050,7 +18413,7 @@
   <p:timing>
     <p:tnLst>
       <p:par>
-        <p:cTn id="1" dur="indefinite" restart="never" nodeType="tmRoot"/>
+        <p:cTn xmlns:p14="http://schemas.microsoft.com/office/powerpoint/2010/main" id="1" dur="indefinite" restart="never" nodeType="tmRoot"/>
       </p:par>
     </p:tnLst>
   </p:timing>
@@ -18306,7 +18669,7 @@
         </a:ln>
         <a:effectLst/>
         <a:extLst>
-          <a:ext uri="{AF507438-7753-43E0-B8FC-AC1667EBCBE1}">
+          <a:ext uri="{AF507438-7753-43e0-B8FC-AC1667EBCBE1}">
             <a14:hiddenEffects xmlns:a14="http://schemas.microsoft.com/office/drawing/2010/main">
               <a:effectLst>
                 <a:outerShdw dist="35921" dir="2700000" algn="ctr" rotWithShape="0">
@@ -18379,7 +18742,7 @@
         </a:ln>
         <a:effectLst/>
         <a:extLst>
-          <a:ext uri="{AF507438-7753-43E0-B8FC-AC1667EBCBE1}">
+          <a:ext uri="{AF507438-7753-43e0-B8FC-AC1667EBCBE1}">
             <a14:hiddenEffects xmlns:a14="http://schemas.microsoft.com/office/drawing/2010/main">
               <a:effectLst>
                 <a:outerShdw dist="35921" dir="2700000" algn="ctr" rotWithShape="0">

--- a/xText Workshop.pptx
+++ b/xText Workshop.pptx
@@ -378,14 +378,14 @@
           </a:ln>
           <a:effectLst/>
           <a:extLst>
-            <a:ext uri="{909E8E84-426E-40DD-AFC4-6F175D3DCCD1}">
+            <a:ext uri="{909E8E84-426E-40dd-AFC4-6F175D3DCCD1}">
               <a14:hiddenFill xmlns:a14="http://schemas.microsoft.com/office/drawing/2010/main">
                 <a:solidFill>
                   <a:schemeClr val="accent1"/>
                 </a:solidFill>
               </a14:hiddenFill>
             </a:ext>
-            <a:ext uri="{91240B29-F687-4F45-9708-019B960494DF}">
+            <a:ext uri="{91240B29-F687-4f45-9708-019B960494DF}">
               <a14:hiddenLine xmlns:a14="http://schemas.microsoft.com/office/drawing/2010/main" w="9525">
                 <a:solidFill>
                   <a:schemeClr val="tx1"/>
@@ -395,7 +395,7 @@
                 <a:tailEnd/>
               </a14:hiddenLine>
             </a:ext>
-            <a:ext uri="{AF507438-7753-43E0-B8FC-AC1667EBCBE1}">
+            <a:ext uri="{AF507438-7753-43e0-B8FC-AC1667EBCBE1}">
               <a14:hiddenEffects xmlns:a14="http://schemas.microsoft.com/office/drawing/2010/main">
                 <a:effectLst>
                   <a:outerShdw dist="35921" dir="2700000" algn="ctr" rotWithShape="0">
@@ -446,14 +446,14 @@
           </a:ln>
           <a:effectLst/>
           <a:extLst>
-            <a:ext uri="{909E8E84-426E-40DD-AFC4-6F175D3DCCD1}">
+            <a:ext uri="{909E8E84-426E-40dd-AFC4-6F175D3DCCD1}">
               <a14:hiddenFill xmlns:a14="http://schemas.microsoft.com/office/drawing/2010/main">
                 <a:solidFill>
                   <a:schemeClr val="accent1"/>
                 </a:solidFill>
               </a14:hiddenFill>
             </a:ext>
-            <a:ext uri="{91240B29-F687-4F45-9708-019B960494DF}">
+            <a:ext uri="{91240B29-F687-4f45-9708-019B960494DF}">
               <a14:hiddenLine xmlns:a14="http://schemas.microsoft.com/office/drawing/2010/main" w="9525">
                 <a:solidFill>
                   <a:schemeClr val="tx1"/>
@@ -463,7 +463,7 @@
                 <a:tailEnd/>
               </a14:hiddenLine>
             </a:ext>
-            <a:ext uri="{AF507438-7753-43E0-B8FC-AC1667EBCBE1}">
+            <a:ext uri="{AF507438-7753-43e0-B8FC-AC1667EBCBE1}">
               <a14:hiddenEffects xmlns:a14="http://schemas.microsoft.com/office/drawing/2010/main">
                 <a:effectLst>
                   <a:outerShdw dist="35921" dir="2700000" algn="ctr" rotWithShape="0">
@@ -519,7 +519,7 @@
           </a:ln>
           <a:effectLst/>
           <a:extLst>
-            <a:ext uri="{AF507438-7753-43E0-B8FC-AC1667EBCBE1}">
+            <a:ext uri="{AF507438-7753-43e0-B8FC-AC1667EBCBE1}">
               <a14:hiddenEffects xmlns:a14="http://schemas.microsoft.com/office/drawing/2010/main">
                 <a:effectLst>
                   <a:outerShdw dist="35921" dir="2700000" algn="ctr" rotWithShape="0">
@@ -528,7 +528,7 @@
                 </a:effectLst>
               </a14:hiddenEffects>
             </a:ext>
-            <a:ext uri="{53640926-AAD7-44D8-BBD7-CCE9431645EC}">
+            <a:ext uri="{53640926-AAD7-44d8-BBD7-CCE9431645EC}">
               <a14:shadowObscured xmlns:a14="http://schemas.microsoft.com/office/drawing/2010/main" val="1"/>
             </a:ext>
           </a:extLst>
@@ -558,14 +558,14 @@
           </a:ln>
           <a:effectLst/>
           <a:extLst>
-            <a:ext uri="{909E8E84-426E-40DD-AFC4-6F175D3DCCD1}">
+            <a:ext uri="{909E8E84-426E-40dd-AFC4-6F175D3DCCD1}">
               <a14:hiddenFill xmlns:a14="http://schemas.microsoft.com/office/drawing/2010/main">
                 <a:solidFill>
                   <a:schemeClr val="accent1"/>
                 </a:solidFill>
               </a14:hiddenFill>
             </a:ext>
-            <a:ext uri="{91240B29-F687-4F45-9708-019B960494DF}">
+            <a:ext uri="{91240B29-F687-4f45-9708-019B960494DF}">
               <a14:hiddenLine xmlns:a14="http://schemas.microsoft.com/office/drawing/2010/main" w="9525">
                 <a:solidFill>
                   <a:schemeClr val="tx1"/>
@@ -575,7 +575,7 @@
                 <a:tailEnd/>
               </a14:hiddenLine>
             </a:ext>
-            <a:ext uri="{AF507438-7753-43E0-B8FC-AC1667EBCBE1}">
+            <a:ext uri="{AF507438-7753-43e0-B8FC-AC1667EBCBE1}">
               <a14:hiddenEffects xmlns:a14="http://schemas.microsoft.com/office/drawing/2010/main">
                 <a:effectLst>
                   <a:outerShdw dist="35921" dir="2700000" algn="ctr" rotWithShape="0">
@@ -654,14 +654,14 @@
           </a:ln>
           <a:effectLst/>
           <a:extLst>
-            <a:ext uri="{909E8E84-426E-40DD-AFC4-6F175D3DCCD1}">
+            <a:ext uri="{909E8E84-426E-40dd-AFC4-6F175D3DCCD1}">
               <a14:hiddenFill xmlns:a14="http://schemas.microsoft.com/office/drawing/2010/main">
                 <a:solidFill>
                   <a:schemeClr val="accent1"/>
                 </a:solidFill>
               </a14:hiddenFill>
             </a:ext>
-            <a:ext uri="{91240B29-F687-4F45-9708-019B960494DF}">
+            <a:ext uri="{91240B29-F687-4f45-9708-019B960494DF}">
               <a14:hiddenLine xmlns:a14="http://schemas.microsoft.com/office/drawing/2010/main" w="9525">
                 <a:solidFill>
                   <a:schemeClr val="tx1"/>
@@ -671,7 +671,7 @@
                 <a:tailEnd/>
               </a14:hiddenLine>
             </a:ext>
-            <a:ext uri="{AF507438-7753-43E0-B8FC-AC1667EBCBE1}">
+            <a:ext uri="{AF507438-7753-43e0-B8FC-AC1667EBCBE1}">
               <a14:hiddenEffects xmlns:a14="http://schemas.microsoft.com/office/drawing/2010/main">
                 <a:effectLst>
                   <a:outerShdw dist="35921" dir="2700000" algn="ctr" rotWithShape="0">
@@ -722,14 +722,14 @@
           </a:ln>
           <a:effectLst/>
           <a:extLst>
-            <a:ext uri="{909E8E84-426E-40DD-AFC4-6F175D3DCCD1}">
+            <a:ext uri="{909E8E84-426E-40dd-AFC4-6F175D3DCCD1}">
               <a14:hiddenFill xmlns:a14="http://schemas.microsoft.com/office/drawing/2010/main">
                 <a:solidFill>
                   <a:schemeClr val="accent1"/>
                 </a:solidFill>
               </a14:hiddenFill>
             </a:ext>
-            <a:ext uri="{91240B29-F687-4F45-9708-019B960494DF}">
+            <a:ext uri="{91240B29-F687-4f45-9708-019B960494DF}">
               <a14:hiddenLine xmlns:a14="http://schemas.microsoft.com/office/drawing/2010/main" w="9525">
                 <a:solidFill>
                   <a:schemeClr val="tx1"/>
@@ -739,7 +739,7 @@
                 <a:tailEnd/>
               </a14:hiddenLine>
             </a:ext>
-            <a:ext uri="{AF507438-7753-43E0-B8FC-AC1667EBCBE1}">
+            <a:ext uri="{AF507438-7753-43e0-B8FC-AC1667EBCBE1}">
               <a14:hiddenEffects xmlns:a14="http://schemas.microsoft.com/office/drawing/2010/main">
                 <a:effectLst>
                   <a:outerShdw dist="35921" dir="2700000" algn="ctr" rotWithShape="0">
@@ -765,7 +765,7 @@
             <a:fld id="{FDD3510F-8DB2-4EB9-9BEF-73090A144782}" type="slidenum">
               <a:rPr lang="en-US" altLang="en-US"/>
               <a:pPr/>
-              <a:t>‹#›</a:t>
+              <a:t>‹Nr.›</a:t>
             </a:fld>
             <a:endParaRPr lang="en-US" altLang="en-US"/>
           </a:p>
@@ -1260,7 +1260,7 @@
             <a:fld id="{1E981752-13E0-45CD-9F95-D0DA77810B22}" type="slidenum">
               <a:rPr lang="en-US" altLang="en-US"/>
               <a:pPr/>
-              <a:t>‹#›</a:t>
+              <a:t>‹Nr.›</a:t>
             </a:fld>
             <a:endParaRPr lang="en-US" altLang="en-US"/>
           </a:p>
@@ -1434,7 +1434,7 @@
             <a:fld id="{A4CF5B09-9FC5-47DD-AB29-2F14FD0341A1}" type="slidenum">
               <a:rPr lang="en-US" altLang="en-US"/>
               <a:pPr/>
-              <a:t>‹#›</a:t>
+              <a:t>‹Nr.›</a:t>
             </a:fld>
             <a:endParaRPr lang="en-US" altLang="en-US"/>
           </a:p>
@@ -1623,7 +1623,7 @@
             <a:fld id="{2EFA46FD-FDAD-4236-97DD-EC48CAF22BEE}" type="slidenum">
               <a:rPr lang="en-US" altLang="en-US"/>
               <a:pPr/>
-              <a:t>‹#›</a:t>
+              <a:t>‹Nr.›</a:t>
             </a:fld>
             <a:endParaRPr lang="en-US" altLang="en-US"/>
           </a:p>
@@ -1802,7 +1802,7 @@
             <a:fld id="{E1206E3A-7291-498D-897C-D129EE7F965E}" type="slidenum">
               <a:rPr lang="en-US" altLang="en-US"/>
               <a:pPr/>
-              <a:t>‹#›</a:t>
+              <a:t>‹Nr.›</a:t>
             </a:fld>
             <a:endParaRPr lang="en-US" altLang="en-US"/>
           </a:p>
@@ -2003,7 +2003,7 @@
             <a:fld id="{DB776912-E062-4219-B3B6-449FA7914192}" type="slidenum">
               <a:rPr lang="en-US" altLang="en-US"/>
               <a:pPr/>
-              <a:t>‹#›</a:t>
+              <a:t>‹Nr.›</a:t>
             </a:fld>
             <a:endParaRPr lang="en-US" altLang="en-US"/>
           </a:p>
@@ -2300,7 +2300,7 @@
             <a:fld id="{A17D1BF8-2664-4168-A278-8D28AC6A1C50}" type="slidenum">
               <a:rPr lang="en-US" altLang="en-US"/>
               <a:pPr/>
-              <a:t>‹#›</a:t>
+              <a:t>‹Nr.›</a:t>
             </a:fld>
             <a:endParaRPr lang="en-US" altLang="en-US"/>
           </a:p>
@@ -2736,7 +2736,7 @@
             <a:fld id="{F5F097CC-7867-4CB1-BBDE-F4477193BD70}" type="slidenum">
               <a:rPr lang="en-US" altLang="en-US"/>
               <a:pPr/>
-              <a:t>‹#›</a:t>
+              <a:t>‹Nr.›</a:t>
             </a:fld>
             <a:endParaRPr lang="en-US" altLang="en-US"/>
           </a:p>
@@ -2863,7 +2863,7 @@
             <a:fld id="{0FD465B5-5BCF-400D-9DE3-F076378A8EAE}" type="slidenum">
               <a:rPr lang="en-US" altLang="en-US"/>
               <a:pPr/>
-              <a:t>‹#›</a:t>
+              <a:t>‹Nr.›</a:t>
             </a:fld>
             <a:endParaRPr lang="en-US" altLang="en-US"/>
           </a:p>
@@ -2967,7 +2967,7 @@
             <a:fld id="{B6062B1D-85E3-4BCF-8E25-94B9CDF49C7A}" type="slidenum">
               <a:rPr lang="en-US" altLang="en-US"/>
               <a:pPr/>
-              <a:t>‹#›</a:t>
+              <a:t>‹Nr.›</a:t>
             </a:fld>
             <a:endParaRPr lang="en-US" altLang="en-US"/>
           </a:p>
@@ -3253,7 +3253,7 @@
             <a:fld id="{0637A6C3-D1F0-47F5-A1B1-E9722FE9DAA1}" type="slidenum">
               <a:rPr lang="en-US" altLang="en-US"/>
               <a:pPr/>
-              <a:t>‹#›</a:t>
+              <a:t>‹Nr.›</a:t>
             </a:fld>
             <a:endParaRPr lang="en-US" altLang="en-US"/>
           </a:p>
@@ -3519,7 +3519,7 @@
             <a:fld id="{500AE801-0714-41C2-8095-7C1BE713221B}" type="slidenum">
               <a:rPr lang="en-US" altLang="en-US"/>
               <a:pPr/>
-              <a:t>‹#›</a:t>
+              <a:t>‹Nr.›</a:t>
             </a:fld>
             <a:endParaRPr lang="en-US" altLang="en-US"/>
           </a:p>
@@ -3594,14 +3594,14 @@
             <a:noFill/>
           </a:ln>
           <a:extLst>
-            <a:ext uri="{909E8E84-426E-40DD-AFC4-6F175D3DCCD1}">
+            <a:ext uri="{909E8E84-426E-40dd-AFC4-6F175D3DCCD1}">
               <a14:hiddenFill xmlns:a14="http://schemas.microsoft.com/office/drawing/2010/main">
                 <a:solidFill>
                   <a:schemeClr val="accent1"/>
                 </a:solidFill>
               </a14:hiddenFill>
             </a:ext>
-            <a:ext uri="{91240B29-F687-4F45-9708-019B960494DF}">
+            <a:ext uri="{91240B29-F687-4f45-9708-019B960494DF}">
               <a14:hiddenLine xmlns:a14="http://schemas.microsoft.com/office/drawing/2010/main" w="9525">
                 <a:solidFill>
                   <a:schemeClr val="tx1"/>
@@ -3652,14 +3652,14 @@
             <a:noFill/>
           </a:ln>
           <a:extLst>
-            <a:ext uri="{909E8E84-426E-40DD-AFC4-6F175D3DCCD1}">
+            <a:ext uri="{909E8E84-426E-40dd-AFC4-6F175D3DCCD1}">
               <a14:hiddenFill xmlns:a14="http://schemas.microsoft.com/office/drawing/2010/main">
                 <a:solidFill>
                   <a:schemeClr val="accent1"/>
                 </a:solidFill>
               </a14:hiddenFill>
             </a:ext>
-            <a:ext uri="{91240B29-F687-4F45-9708-019B960494DF}">
+            <a:ext uri="{91240B29-F687-4f45-9708-019B960494DF}">
               <a14:hiddenLine xmlns:a14="http://schemas.microsoft.com/office/drawing/2010/main" w="9525">
                 <a:solidFill>
                   <a:schemeClr val="tx1"/>
@@ -3739,14 +3739,14 @@
           </a:ln>
           <a:effectLst/>
           <a:extLst>
-            <a:ext uri="{909E8E84-426E-40DD-AFC4-6F175D3DCCD1}">
+            <a:ext uri="{909E8E84-426E-40dd-AFC4-6F175D3DCCD1}">
               <a14:hiddenFill xmlns:a14="http://schemas.microsoft.com/office/drawing/2010/main">
                 <a:solidFill>
                   <a:schemeClr val="accent1"/>
                 </a:solidFill>
               </a14:hiddenFill>
             </a:ext>
-            <a:ext uri="{91240B29-F687-4F45-9708-019B960494DF}">
+            <a:ext uri="{91240B29-F687-4f45-9708-019B960494DF}">
               <a14:hiddenLine xmlns:a14="http://schemas.microsoft.com/office/drawing/2010/main" w="9525">
                 <a:solidFill>
                   <a:schemeClr val="tx1"/>
@@ -3756,7 +3756,7 @@
                 <a:tailEnd/>
               </a14:hiddenLine>
             </a:ext>
-            <a:ext uri="{AF507438-7753-43E0-B8FC-AC1667EBCBE1}">
+            <a:ext uri="{AF507438-7753-43e0-B8FC-AC1667EBCBE1}">
               <a14:hiddenEffects xmlns:a14="http://schemas.microsoft.com/office/drawing/2010/main">
                 <a:effectLst>
                   <a:outerShdw dist="35921" dir="2700000" algn="ctr" rotWithShape="0">
@@ -3807,14 +3807,14 @@
           </a:ln>
           <a:effectLst/>
           <a:extLst>
-            <a:ext uri="{909E8E84-426E-40DD-AFC4-6F175D3DCCD1}">
+            <a:ext uri="{909E8E84-426E-40dd-AFC4-6F175D3DCCD1}">
               <a14:hiddenFill xmlns:a14="http://schemas.microsoft.com/office/drawing/2010/main">
                 <a:solidFill>
                   <a:schemeClr val="accent1"/>
                 </a:solidFill>
               </a14:hiddenFill>
             </a:ext>
-            <a:ext uri="{91240B29-F687-4F45-9708-019B960494DF}">
+            <a:ext uri="{91240B29-F687-4f45-9708-019B960494DF}">
               <a14:hiddenLine xmlns:a14="http://schemas.microsoft.com/office/drawing/2010/main" w="9525">
                 <a:solidFill>
                   <a:schemeClr val="tx1"/>
@@ -3824,7 +3824,7 @@
                 <a:tailEnd/>
               </a14:hiddenLine>
             </a:ext>
-            <a:ext uri="{AF507438-7753-43E0-B8FC-AC1667EBCBE1}">
+            <a:ext uri="{AF507438-7753-43e0-B8FC-AC1667EBCBE1}">
               <a14:hiddenEffects xmlns:a14="http://schemas.microsoft.com/office/drawing/2010/main">
                 <a:effectLst>
                   <a:outerShdw dist="35921" dir="2700000" algn="ctr" rotWithShape="0">
@@ -3875,14 +3875,14 @@
           </a:ln>
           <a:effectLst/>
           <a:extLst>
-            <a:ext uri="{909E8E84-426E-40DD-AFC4-6F175D3DCCD1}">
+            <a:ext uri="{909E8E84-426E-40dd-AFC4-6F175D3DCCD1}">
               <a14:hiddenFill xmlns:a14="http://schemas.microsoft.com/office/drawing/2010/main">
                 <a:solidFill>
                   <a:schemeClr val="accent1"/>
                 </a:solidFill>
               </a14:hiddenFill>
             </a:ext>
-            <a:ext uri="{91240B29-F687-4F45-9708-019B960494DF}">
+            <a:ext uri="{91240B29-F687-4f45-9708-019B960494DF}">
               <a14:hiddenLine xmlns:a14="http://schemas.microsoft.com/office/drawing/2010/main" w="9525">
                 <a:solidFill>
                   <a:schemeClr val="tx1"/>
@@ -3892,7 +3892,7 @@
                 <a:tailEnd/>
               </a14:hiddenLine>
             </a:ext>
-            <a:ext uri="{AF507438-7753-43E0-B8FC-AC1667EBCBE1}">
+            <a:ext uri="{AF507438-7753-43e0-B8FC-AC1667EBCBE1}">
               <a14:hiddenEffects xmlns:a14="http://schemas.microsoft.com/office/drawing/2010/main">
                 <a:effectLst>
                   <a:outerShdw dist="35921" dir="2700000" algn="ctr" rotWithShape="0">
@@ -3918,7 +3918,7 @@
             <a:fld id="{06D5C418-E929-4993-B879-6E5627D02A87}" type="slidenum">
               <a:rPr lang="en-US" altLang="en-US"/>
               <a:pPr/>
-              <a:t>‹#›</a:t>
+              <a:t>‹Nr.›</a:t>
             </a:fld>
             <a:endParaRPr lang="en-US" altLang="en-US"/>
           </a:p>
@@ -4425,7 +4425,7 @@
   <p:timing>
     <p:tnLst>
       <p:par>
-        <p:cTn id="1" dur="indefinite" restart="never" nodeType="tmRoot"/>
+        <p:cTn xmlns:p14="http://schemas.microsoft.com/office/powerpoint/2010/main" id="1" dur="indefinite" restart="never" nodeType="tmRoot"/>
       </p:par>
     </p:tnLst>
   </p:timing>
@@ -4509,7 +4509,7 @@
   <p:timing>
     <p:tnLst>
       <p:par>
-        <p:cTn id="1" dur="indefinite" restart="never" nodeType="tmRoot"/>
+        <p:cTn xmlns:p14="http://schemas.microsoft.com/office/powerpoint/2010/main" id="1" dur="indefinite" restart="never" nodeType="tmRoot"/>
       </p:par>
     </p:tnLst>
   </p:timing>
@@ -4593,7 +4593,7 @@
   <p:timing>
     <p:tnLst>
       <p:par>
-        <p:cTn id="1" dur="indefinite" restart="never" nodeType="tmRoot"/>
+        <p:cTn xmlns:p14="http://schemas.microsoft.com/office/powerpoint/2010/main" id="1" dur="indefinite" restart="never" nodeType="tmRoot"/>
       </p:par>
     </p:tnLst>
   </p:timing>
@@ -4682,7 +4682,7 @@
   <p:timing>
     <p:tnLst>
       <p:par>
-        <p:cTn id="1" dur="indefinite" restart="never" nodeType="tmRoot"/>
+        <p:cTn xmlns:p14="http://schemas.microsoft.com/office/powerpoint/2010/main" id="1" dur="indefinite" restart="never" nodeType="tmRoot"/>
       </p:par>
     </p:tnLst>
   </p:timing>
@@ -4826,7 +4826,7 @@
   <p:timing>
     <p:tnLst>
       <p:par>
-        <p:cTn id="1" dur="indefinite" restart="never" nodeType="tmRoot"/>
+        <p:cTn xmlns:p14="http://schemas.microsoft.com/office/powerpoint/2010/main" id="1" dur="indefinite" restart="never" nodeType="tmRoot"/>
       </p:par>
     </p:tnLst>
   </p:timing>
@@ -4908,7 +4908,7 @@
   <p:timing>
     <p:tnLst>
       <p:par>
-        <p:cTn id="1" dur="indefinite" restart="never" nodeType="tmRoot"/>
+        <p:cTn xmlns:p14="http://schemas.microsoft.com/office/powerpoint/2010/main" id="1" dur="indefinite" restart="never" nodeType="tmRoot"/>
       </p:par>
     </p:tnLst>
   </p:timing>
@@ -4972,13 +4972,8 @@
           <a:p>
             <a:r>
               <a:rPr lang="de-AT" dirty="0" smtClean="0"/>
-              <a:t>Contains two </a:t>
-            </a:r>
-            <a:r>
-              <a:rPr lang="de-AT" dirty="0" smtClean="0"/>
-              <a:t>parts of definitions</a:t>
-            </a:r>
-            <a:endParaRPr lang="de-AT" dirty="0" smtClean="0"/>
+              <a:t>Contains two parts of definitions</a:t>
+            </a:r>
           </a:p>
           <a:p>
             <a:pPr lvl="1"/>
@@ -5397,7 +5392,7 @@
   <p:timing>
     <p:tnLst>
       <p:par>
-        <p:cTn id="1" dur="indefinite" restart="never" nodeType="tmRoot"/>
+        <p:cTn xmlns:p14="http://schemas.microsoft.com/office/powerpoint/2010/main" id="1" dur="indefinite" restart="never" nodeType="tmRoot"/>
       </p:par>
     </p:tnLst>
   </p:timing>
@@ -5625,14 +5620,14 @@
             <a:noFill/>
           </a:ln>
           <a:extLst>
-            <a:ext uri="{909E8E84-426E-40DD-AFC4-6F175D3DCCD1}">
+            <a:ext uri="{909E8E84-426E-40dd-AFC4-6F175D3DCCD1}">
               <a14:hiddenFill xmlns:a14="http://schemas.microsoft.com/office/drawing/2010/main">
                 <a:solidFill>
                   <a:schemeClr val="accent1"/>
                 </a:solidFill>
               </a14:hiddenFill>
             </a:ext>
-            <a:ext uri="{91240B29-F687-4F45-9708-019B960494DF}">
+            <a:ext uri="{91240B29-F687-4f45-9708-019B960494DF}">
               <a14:hiddenLine xmlns:a14="http://schemas.microsoft.com/office/drawing/2010/main" w="9525">
                 <a:solidFill>
                   <a:schemeClr val="tx1"/>
@@ -5879,14 +5874,14 @@
             <a:noFill/>
           </a:ln>
           <a:extLst>
-            <a:ext uri="{909E8E84-426E-40DD-AFC4-6F175D3DCCD1}">
+            <a:ext uri="{909E8E84-426E-40dd-AFC4-6F175D3DCCD1}">
               <a14:hiddenFill xmlns:a14="http://schemas.microsoft.com/office/drawing/2010/main">
                 <a:solidFill>
                   <a:schemeClr val="accent1"/>
                 </a:solidFill>
               </a14:hiddenFill>
             </a:ext>
-            <a:ext uri="{91240B29-F687-4F45-9708-019B960494DF}">
+            <a:ext uri="{91240B29-F687-4f45-9708-019B960494DF}">
               <a14:hiddenLine xmlns:a14="http://schemas.microsoft.com/office/drawing/2010/main" w="9525">
                 <a:solidFill>
                   <a:schemeClr val="tx1"/>
@@ -5912,7 +5907,7 @@
   <p:timing>
     <p:tnLst>
       <p:par>
-        <p:cTn id="1" dur="indefinite" restart="never" nodeType="tmRoot"/>
+        <p:cTn xmlns:p14="http://schemas.microsoft.com/office/powerpoint/2010/main" id="1" dur="indefinite" restart="never" nodeType="tmRoot"/>
       </p:par>
     </p:tnLst>
   </p:timing>
@@ -6418,14 +6413,14 @@
             <a:noFill/>
           </a:ln>
           <a:extLst>
-            <a:ext uri="{909E8E84-426E-40DD-AFC4-6F175D3DCCD1}">
+            <a:ext uri="{909E8E84-426E-40dd-AFC4-6F175D3DCCD1}">
               <a14:hiddenFill xmlns:a14="http://schemas.microsoft.com/office/drawing/2010/main">
                 <a:solidFill>
                   <a:schemeClr val="accent1"/>
                 </a:solidFill>
               </a14:hiddenFill>
             </a:ext>
-            <a:ext uri="{91240B29-F687-4F45-9708-019B960494DF}">
+            <a:ext uri="{91240B29-F687-4f45-9708-019B960494DF}">
               <a14:hiddenLine xmlns:a14="http://schemas.microsoft.com/office/drawing/2010/main" w="9525">
                 <a:solidFill>
                   <a:schemeClr val="tx1"/>
@@ -6451,7 +6446,7 @@
   <p:timing>
     <p:tnLst>
       <p:par>
-        <p:cTn id="1" dur="indefinite" restart="never" nodeType="tmRoot"/>
+        <p:cTn xmlns:p14="http://schemas.microsoft.com/office/powerpoint/2010/main" id="1" dur="indefinite" restart="never" nodeType="tmRoot"/>
       </p:par>
     </p:tnLst>
   </p:timing>
@@ -6534,7 +6529,7 @@
   <p:timing>
     <p:tnLst>
       <p:par>
-        <p:cTn id="1" dur="indefinite" restart="never" nodeType="tmRoot"/>
+        <p:cTn xmlns:p14="http://schemas.microsoft.com/office/powerpoint/2010/main" id="1" dur="indefinite" restart="never" nodeType="tmRoot"/>
       </p:par>
     </p:tnLst>
   </p:timing>
@@ -6771,7 +6766,7 @@
   <p:timing>
     <p:tnLst>
       <p:par>
-        <p:cTn id="1" dur="indefinite" restart="never" nodeType="tmRoot"/>
+        <p:cTn xmlns:p14="http://schemas.microsoft.com/office/powerpoint/2010/main" id="1" dur="indefinite" restart="never" nodeType="tmRoot"/>
       </p:par>
     </p:tnLst>
   </p:timing>
@@ -6852,14 +6847,14 @@
             <a:noFill/>
           </a:ln>
           <a:extLst>
-            <a:ext uri="{909E8E84-426E-40DD-AFC4-6F175D3DCCD1}">
+            <a:ext uri="{909E8E84-426E-40dd-AFC4-6F175D3DCCD1}">
               <a14:hiddenFill xmlns:a14="http://schemas.microsoft.com/office/drawing/2010/main">
                 <a:solidFill>
                   <a:schemeClr val="accent1"/>
                 </a:solidFill>
               </a14:hiddenFill>
             </a:ext>
-            <a:ext uri="{91240B29-F687-4F45-9708-019B960494DF}">
+            <a:ext uri="{91240B29-F687-4f45-9708-019B960494DF}">
               <a14:hiddenLine xmlns:a14="http://schemas.microsoft.com/office/drawing/2010/main" w="9525">
                 <a:solidFill>
                   <a:schemeClr val="tx1"/>
@@ -6906,14 +6901,14 @@
             <a:noFill/>
           </a:ln>
           <a:extLst>
-            <a:ext uri="{909E8E84-426E-40DD-AFC4-6F175D3DCCD1}">
+            <a:ext uri="{909E8E84-426E-40dd-AFC4-6F175D3DCCD1}">
               <a14:hiddenFill xmlns:a14="http://schemas.microsoft.com/office/drawing/2010/main">
                 <a:solidFill>
                   <a:schemeClr val="accent1"/>
                 </a:solidFill>
               </a14:hiddenFill>
             </a:ext>
-            <a:ext uri="{91240B29-F687-4F45-9708-019B960494DF}">
+            <a:ext uri="{91240B29-F687-4f45-9708-019B960494DF}">
               <a14:hiddenLine xmlns:a14="http://schemas.microsoft.com/office/drawing/2010/main" w="9525">
                 <a:solidFill>
                   <a:schemeClr val="tx1"/>
@@ -6960,14 +6955,14 @@
             <a:noFill/>
           </a:ln>
           <a:extLst>
-            <a:ext uri="{909E8E84-426E-40DD-AFC4-6F175D3DCCD1}">
+            <a:ext uri="{909E8E84-426E-40dd-AFC4-6F175D3DCCD1}">
               <a14:hiddenFill xmlns:a14="http://schemas.microsoft.com/office/drawing/2010/main">
                 <a:solidFill>
                   <a:schemeClr val="accent1"/>
                 </a:solidFill>
               </a14:hiddenFill>
             </a:ext>
-            <a:ext uri="{91240B29-F687-4F45-9708-019B960494DF}">
+            <a:ext uri="{91240B29-F687-4f45-9708-019B960494DF}">
               <a14:hiddenLine xmlns:a14="http://schemas.microsoft.com/office/drawing/2010/main" w="9525">
                 <a:solidFill>
                   <a:schemeClr val="tx1"/>
@@ -6993,7 +6988,7 @@
   <p:timing>
     <p:tnLst>
       <p:par>
-        <p:cTn id="1" dur="indefinite" restart="never" nodeType="tmRoot">
+        <p:cTn xmlns:p14="http://schemas.microsoft.com/office/powerpoint/2010/main" id="1" dur="indefinite" restart="never" nodeType="tmRoot">
           <p:childTnLst>
             <p:seq concurrent="1" nextAc="seek">
               <p:cTn id="2" dur="indefinite" nodeType="mainSeq">
@@ -7331,7 +7326,7 @@
   <p:timing>
     <p:tnLst>
       <p:par>
-        <p:cTn id="1" dur="indefinite" restart="never" nodeType="tmRoot"/>
+        <p:cTn xmlns:p14="http://schemas.microsoft.com/office/powerpoint/2010/main" id="1" dur="indefinite" restart="never" nodeType="tmRoot"/>
       </p:par>
     </p:tnLst>
   </p:timing>
@@ -7540,7 +7535,7 @@
   <p:timing>
     <p:tnLst>
       <p:par>
-        <p:cTn id="1" dur="indefinite" restart="never" nodeType="tmRoot"/>
+        <p:cTn xmlns:p14="http://schemas.microsoft.com/office/powerpoint/2010/main" id="1" dur="indefinite" restart="never" nodeType="tmRoot"/>
       </p:par>
     </p:tnLst>
   </p:timing>
@@ -7685,7 +7680,7 @@
   <p:timing>
     <p:tnLst>
       <p:par>
-        <p:cTn id="1" dur="indefinite" restart="never" nodeType="tmRoot"/>
+        <p:cTn xmlns:p14="http://schemas.microsoft.com/office/powerpoint/2010/main" id="1" dur="indefinite" restart="never" nodeType="tmRoot"/>
       </p:par>
     </p:tnLst>
   </p:timing>
@@ -7833,7 +7828,7 @@
   <p:timing>
     <p:tnLst>
       <p:par>
-        <p:cTn id="1" dur="indefinite" restart="never" nodeType="tmRoot"/>
+        <p:cTn xmlns:p14="http://schemas.microsoft.com/office/powerpoint/2010/main" id="1" dur="indefinite" restart="never" nodeType="tmRoot"/>
       </p:par>
     </p:tnLst>
   </p:timing>
@@ -7985,7 +7980,7 @@
   <p:timing>
     <p:tnLst>
       <p:par>
-        <p:cTn id="1" dur="indefinite" restart="never" nodeType="tmRoot"/>
+        <p:cTn xmlns:p14="http://schemas.microsoft.com/office/powerpoint/2010/main" id="1" dur="indefinite" restart="never" nodeType="tmRoot"/>
       </p:par>
     </p:tnLst>
   </p:timing>
@@ -8064,7 +8059,7 @@
   <p:timing>
     <p:tnLst>
       <p:par>
-        <p:cTn id="1" dur="indefinite" restart="never" nodeType="tmRoot"/>
+        <p:cTn xmlns:p14="http://schemas.microsoft.com/office/powerpoint/2010/main" id="1" dur="indefinite" restart="never" nodeType="tmRoot"/>
       </p:par>
     </p:tnLst>
   </p:timing>
@@ -8270,7 +8265,7 @@
   <p:timing>
     <p:tnLst>
       <p:par>
-        <p:cTn id="1" dur="indefinite" restart="never" nodeType="tmRoot"/>
+        <p:cTn xmlns:p14="http://schemas.microsoft.com/office/powerpoint/2010/main" id="1" dur="indefinite" restart="never" nodeType="tmRoot"/>
       </p:par>
     </p:tnLst>
   </p:timing>
@@ -8478,7 +8473,7 @@
   <p:timing>
     <p:tnLst>
       <p:par>
-        <p:cTn id="1" dur="indefinite" restart="never" nodeType="tmRoot"/>
+        <p:cTn xmlns:p14="http://schemas.microsoft.com/office/powerpoint/2010/main" id="1" dur="indefinite" restart="never" nodeType="tmRoot"/>
       </p:par>
     </p:tnLst>
   </p:timing>
@@ -8651,7 +8646,7 @@
   <p:timing>
     <p:tnLst>
       <p:par>
-        <p:cTn id="1" dur="indefinite" restart="never" nodeType="tmRoot"/>
+        <p:cTn xmlns:p14="http://schemas.microsoft.com/office/powerpoint/2010/main" id="1" dur="indefinite" restart="never" nodeType="tmRoot"/>
       </p:par>
     </p:tnLst>
   </p:timing>
@@ -8730,7 +8725,7 @@
   <p:timing>
     <p:tnLst>
       <p:par>
-        <p:cTn id="1" dur="indefinite" restart="never" nodeType="tmRoot"/>
+        <p:cTn xmlns:p14="http://schemas.microsoft.com/office/powerpoint/2010/main" id="1" dur="indefinite" restart="never" nodeType="tmRoot"/>
       </p:par>
     </p:tnLst>
   </p:timing>
@@ -8811,14 +8806,14 @@
             <a:noFill/>
           </a:ln>
           <a:extLst>
-            <a:ext uri="{909E8E84-426E-40DD-AFC4-6F175D3DCCD1}">
+            <a:ext uri="{909E8E84-426E-40dd-AFC4-6F175D3DCCD1}">
               <a14:hiddenFill xmlns:a14="http://schemas.microsoft.com/office/drawing/2010/main">
                 <a:solidFill>
                   <a:schemeClr val="accent1"/>
                 </a:solidFill>
               </a14:hiddenFill>
             </a:ext>
-            <a:ext uri="{91240B29-F687-4F45-9708-019B960494DF}">
+            <a:ext uri="{91240B29-F687-4f45-9708-019B960494DF}">
               <a14:hiddenLine xmlns:a14="http://schemas.microsoft.com/office/drawing/2010/main" w="9525">
                 <a:solidFill>
                   <a:schemeClr val="tx1"/>
@@ -8844,7 +8839,7 @@
   <p:timing>
     <p:tnLst>
       <p:par>
-        <p:cTn id="1" dur="indefinite" restart="never" nodeType="tmRoot"/>
+        <p:cTn xmlns:p14="http://schemas.microsoft.com/office/powerpoint/2010/main" id="1" dur="indefinite" restart="never" nodeType="tmRoot"/>
       </p:par>
     </p:tnLst>
   </p:timing>
@@ -8925,14 +8920,14 @@
             <a:noFill/>
           </a:ln>
           <a:extLst>
-            <a:ext uri="{909E8E84-426E-40DD-AFC4-6F175D3DCCD1}">
+            <a:ext uri="{909E8E84-426E-40dd-AFC4-6F175D3DCCD1}">
               <a14:hiddenFill xmlns:a14="http://schemas.microsoft.com/office/drawing/2010/main">
                 <a:solidFill>
                   <a:schemeClr val="accent1"/>
                 </a:solidFill>
               </a14:hiddenFill>
             </a:ext>
-            <a:ext uri="{91240B29-F687-4F45-9708-019B960494DF}">
+            <a:ext uri="{91240B29-F687-4f45-9708-019B960494DF}">
               <a14:hiddenLine xmlns:a14="http://schemas.microsoft.com/office/drawing/2010/main" w="9525">
                 <a:solidFill>
                   <a:schemeClr val="tx1"/>
@@ -8958,7 +8953,7 @@
   <p:timing>
     <p:tnLst>
       <p:par>
-        <p:cTn id="1" dur="indefinite" restart="never" nodeType="tmRoot"/>
+        <p:cTn xmlns:p14="http://schemas.microsoft.com/office/powerpoint/2010/main" id="1" dur="indefinite" restart="never" nodeType="tmRoot"/>
       </p:par>
     </p:tnLst>
   </p:timing>
@@ -9039,14 +9034,14 @@
             <a:noFill/>
           </a:ln>
           <a:extLst>
-            <a:ext uri="{909E8E84-426E-40DD-AFC4-6F175D3DCCD1}">
+            <a:ext uri="{909E8E84-426E-40dd-AFC4-6F175D3DCCD1}">
               <a14:hiddenFill xmlns:a14="http://schemas.microsoft.com/office/drawing/2010/main">
                 <a:solidFill>
                   <a:schemeClr val="accent1"/>
                 </a:solidFill>
               </a14:hiddenFill>
             </a:ext>
-            <a:ext uri="{91240B29-F687-4F45-9708-019B960494DF}">
+            <a:ext uri="{91240B29-F687-4f45-9708-019B960494DF}">
               <a14:hiddenLine xmlns:a14="http://schemas.microsoft.com/office/drawing/2010/main" w="9525">
                 <a:solidFill>
                   <a:schemeClr val="tx1"/>
@@ -9072,7 +9067,7 @@
   <p:timing>
     <p:tnLst>
       <p:par>
-        <p:cTn id="1" dur="indefinite" restart="never" nodeType="tmRoot"/>
+        <p:cTn xmlns:p14="http://schemas.microsoft.com/office/powerpoint/2010/main" id="1" dur="indefinite" restart="never" nodeType="tmRoot"/>
       </p:par>
     </p:tnLst>
   </p:timing>
@@ -9153,14 +9148,14 @@
             <a:noFill/>
           </a:ln>
           <a:extLst>
-            <a:ext uri="{909E8E84-426E-40DD-AFC4-6F175D3DCCD1}">
+            <a:ext uri="{909E8E84-426E-40dd-AFC4-6F175D3DCCD1}">
               <a14:hiddenFill xmlns:a14="http://schemas.microsoft.com/office/drawing/2010/main">
                 <a:solidFill>
                   <a:schemeClr val="accent1"/>
                 </a:solidFill>
               </a14:hiddenFill>
             </a:ext>
-            <a:ext uri="{91240B29-F687-4F45-9708-019B960494DF}">
+            <a:ext uri="{91240B29-F687-4f45-9708-019B960494DF}">
               <a14:hiddenLine xmlns:a14="http://schemas.microsoft.com/office/drawing/2010/main" w="9525">
                 <a:solidFill>
                   <a:schemeClr val="tx1"/>
@@ -9186,7 +9181,7 @@
   <p:timing>
     <p:tnLst>
       <p:par>
-        <p:cTn id="1" dur="indefinite" restart="never" nodeType="tmRoot"/>
+        <p:cTn xmlns:p14="http://schemas.microsoft.com/office/powerpoint/2010/main" id="1" dur="indefinite" restart="never" nodeType="tmRoot"/>
       </p:par>
     </p:tnLst>
   </p:timing>
@@ -9267,14 +9262,14 @@
             <a:noFill/>
           </a:ln>
           <a:extLst>
-            <a:ext uri="{909E8E84-426E-40DD-AFC4-6F175D3DCCD1}">
+            <a:ext uri="{909E8E84-426E-40dd-AFC4-6F175D3DCCD1}">
               <a14:hiddenFill xmlns:a14="http://schemas.microsoft.com/office/drawing/2010/main">
                 <a:solidFill>
                   <a:schemeClr val="accent1"/>
                 </a:solidFill>
               </a14:hiddenFill>
             </a:ext>
-            <a:ext uri="{91240B29-F687-4F45-9708-019B960494DF}">
+            <a:ext uri="{91240B29-F687-4f45-9708-019B960494DF}">
               <a14:hiddenLine xmlns:a14="http://schemas.microsoft.com/office/drawing/2010/main" w="9525">
                 <a:solidFill>
                   <a:schemeClr val="tx1"/>
@@ -9321,14 +9316,14 @@
             <a:noFill/>
           </a:ln>
           <a:extLst>
-            <a:ext uri="{909E8E84-426E-40DD-AFC4-6F175D3DCCD1}">
+            <a:ext uri="{909E8E84-426E-40dd-AFC4-6F175D3DCCD1}">
               <a14:hiddenFill xmlns:a14="http://schemas.microsoft.com/office/drawing/2010/main">
                 <a:solidFill>
                   <a:schemeClr val="accent1"/>
                 </a:solidFill>
               </a14:hiddenFill>
             </a:ext>
-            <a:ext uri="{91240B29-F687-4F45-9708-019B960494DF}">
+            <a:ext uri="{91240B29-F687-4f45-9708-019B960494DF}">
               <a14:hiddenLine xmlns:a14="http://schemas.microsoft.com/office/drawing/2010/main" w="9525">
                 <a:solidFill>
                   <a:schemeClr val="tx1"/>
@@ -9354,7 +9349,7 @@
   <p:timing>
     <p:tnLst>
       <p:par>
-        <p:cTn id="1" dur="indefinite" restart="never" nodeType="tmRoot"/>
+        <p:cTn xmlns:p14="http://schemas.microsoft.com/office/powerpoint/2010/main" id="1" dur="indefinite" restart="never" nodeType="tmRoot"/>
       </p:par>
     </p:tnLst>
   </p:timing>
@@ -9435,14 +9430,14 @@
             <a:noFill/>
           </a:ln>
           <a:extLst>
-            <a:ext uri="{909E8E84-426E-40DD-AFC4-6F175D3DCCD1}">
+            <a:ext uri="{909E8E84-426E-40dd-AFC4-6F175D3DCCD1}">
               <a14:hiddenFill xmlns:a14="http://schemas.microsoft.com/office/drawing/2010/main">
                 <a:solidFill>
                   <a:schemeClr val="accent1"/>
                 </a:solidFill>
               </a14:hiddenFill>
             </a:ext>
-            <a:ext uri="{91240B29-F687-4F45-9708-019B960494DF}">
+            <a:ext uri="{91240B29-F687-4f45-9708-019B960494DF}">
               <a14:hiddenLine xmlns:a14="http://schemas.microsoft.com/office/drawing/2010/main" w="9525">
                 <a:solidFill>
                   <a:schemeClr val="tx1"/>
@@ -9468,7 +9463,7 @@
   <p:timing>
     <p:tnLst>
       <p:par>
-        <p:cTn id="1" dur="indefinite" restart="never" nodeType="tmRoot"/>
+        <p:cTn xmlns:p14="http://schemas.microsoft.com/office/powerpoint/2010/main" id="1" dur="indefinite" restart="never" nodeType="tmRoot"/>
       </p:par>
     </p:tnLst>
   </p:timing>
@@ -9551,7 +9546,7 @@
   <p:timing>
     <p:tnLst>
       <p:par>
-        <p:cTn id="1" dur="indefinite" restart="never" nodeType="tmRoot"/>
+        <p:cTn xmlns:p14="http://schemas.microsoft.com/office/powerpoint/2010/main" id="1" dur="indefinite" restart="never" nodeType="tmRoot"/>
       </p:par>
     </p:tnLst>
   </p:timing>
@@ -9943,13 +9938,13 @@
       <p:transition spd="slow" p14:dur="2000"/>
     </mc:Choice>
     <mc:Fallback>
-      <p:transition spd="slow"/>
+      <p:transition xmlns:p14="http://schemas.microsoft.com/office/powerpoint/2010/main" spd="slow"/>
     </mc:Fallback>
   </mc:AlternateContent>
   <p:timing>
     <p:tnLst>
       <p:par>
-        <p:cTn id="1" dur="indefinite" restart="never" nodeType="tmRoot"/>
+        <p:cTn xmlns:p14="http://schemas.microsoft.com/office/powerpoint/2010/main" id="1" dur="indefinite" restart="never" nodeType="tmRoot"/>
       </p:par>
     </p:tnLst>
   </p:timing>
@@ -10038,13 +10033,13 @@
       <p:transition spd="slow" p14:dur="2000"/>
     </mc:Choice>
     <mc:Fallback>
-      <p:transition spd="slow"/>
+      <p:transition xmlns:p14="http://schemas.microsoft.com/office/powerpoint/2010/main" spd="slow"/>
     </mc:Fallback>
   </mc:AlternateContent>
   <p:timing>
     <p:tnLst>
       <p:par>
-        <p:cTn id="1" dur="indefinite" restart="never" nodeType="tmRoot"/>
+        <p:cTn xmlns:p14="http://schemas.microsoft.com/office/powerpoint/2010/main" id="1" dur="indefinite" restart="never" nodeType="tmRoot"/>
       </p:par>
     </p:tnLst>
   </p:timing>
@@ -10134,7 +10129,7 @@
           </a:prstGeom>
           <a:noFill/>
           <a:extLst>
-            <a:ext uri="{909E8E84-426E-40DD-AFC4-6F175D3DCCD1}">
+            <a:ext uri="{909E8E84-426E-40dd-AFC4-6F175D3DCCD1}">
               <a14:hiddenFill xmlns:a14="http://schemas.microsoft.com/office/drawing/2010/main">
                 <a:solidFill>
                   <a:srgbClr val="FFFFFF"/>
@@ -10154,18 +10149,18 @@
   <p:clrMapOvr>
     <a:masterClrMapping/>
   </p:clrMapOvr>
-  <mc:AlternateContent xmlns:mc="http://schemas.openxmlformats.org/markup-compatibility/2006" xmlns:p14="http://schemas.microsoft.com/office/powerpoint/2010/main">
-    <mc:Choice Requires="p14">
+  <mc:AlternateContent xmlns:mc="http://schemas.openxmlformats.org/markup-compatibility/2006">
+    <mc:Choice xmlns:p14="http://schemas.microsoft.com/office/powerpoint/2010/main" Requires="p14">
       <p:transition spd="slow" p14:dur="2000"/>
     </mc:Choice>
-    <mc:Fallback xmlns="">
-      <p:transition spd="slow"/>
+    <mc:Fallback>
+      <p:transition xmlns:p14="http://schemas.microsoft.com/office/powerpoint/2010/main" spd="slow"/>
     </mc:Fallback>
   </mc:AlternateContent>
   <p:timing>
     <p:tnLst>
       <p:par>
-        <p:cTn id="1" dur="indefinite" restart="never" nodeType="tmRoot"/>
+        <p:cTn xmlns:p14="http://schemas.microsoft.com/office/powerpoint/2010/main" id="1" dur="indefinite" restart="never" nodeType="tmRoot"/>
       </p:par>
     </p:tnLst>
   </p:timing>
@@ -10440,13 +10435,13 @@
       <p:transition spd="slow" p14:dur="2000"/>
     </mc:Choice>
     <mc:Fallback>
-      <p:transition spd="slow"/>
+      <p:transition xmlns:p14="http://schemas.microsoft.com/office/powerpoint/2010/main" spd="slow"/>
     </mc:Fallback>
   </mc:AlternateContent>
   <p:timing>
     <p:tnLst>
       <p:par>
-        <p:cTn id="1" dur="indefinite" restart="never" nodeType="tmRoot"/>
+        <p:cTn xmlns:p14="http://schemas.microsoft.com/office/powerpoint/2010/main" id="1" dur="indefinite" restart="never" nodeType="tmRoot"/>
       </p:par>
     </p:tnLst>
   </p:timing>
@@ -10553,23 +10548,14 @@
           </a:p>
           <a:p>
             <a:r>
-              <a:rPr lang="de-AT" dirty="0" smtClean="0"/>
-              <a:t>Unit Test</a:t>
-            </a:r>
-          </a:p>
-          <a:p>
+              <a:rPr lang="de-AT" smtClean="0"/>
+              <a:t>Unit </a:t>
+            </a:r>
+            <a:r>
+              <a:rPr lang="de-AT" smtClean="0"/>
+              <a:t>Test</a:t>
+            </a:r>
             <a:endParaRPr lang="de-AT" dirty="0" smtClean="0"/>
-          </a:p>
-          <a:p>
-            <a:r>
-              <a:rPr lang="de-AT" dirty="0" smtClean="0"/>
-              <a:t>4 </a:t>
-            </a:r>
-            <a:r>
-              <a:rPr lang="de-AT" dirty="0" err="1" smtClean="0"/>
-              <a:t>Exercises</a:t>
-            </a:r>
-            <a:endParaRPr lang="de-AT" dirty="0"/>
           </a:p>
         </p:txBody>
       </p:sp>
@@ -10581,7 +10567,7 @@
   <p:timing>
     <p:tnLst>
       <p:par>
-        <p:cTn id="1" dur="indefinite" restart="never" nodeType="tmRoot"/>
+        <p:cTn xmlns:p14="http://schemas.microsoft.com/office/powerpoint/2010/main" id="1" dur="indefinite" restart="never" nodeType="tmRoot"/>
       </p:par>
     </p:tnLst>
   </p:timing>
@@ -10869,13 +10855,13 @@
       <p:transition spd="slow" p14:dur="2000"/>
     </mc:Choice>
     <mc:Fallback>
-      <p:transition spd="slow"/>
+      <p:transition xmlns:p14="http://schemas.microsoft.com/office/powerpoint/2010/main" spd="slow"/>
     </mc:Fallback>
   </mc:AlternateContent>
   <p:timing>
     <p:tnLst>
       <p:par>
-        <p:cTn id="1" dur="indefinite" restart="never" nodeType="tmRoot"/>
+        <p:cTn xmlns:p14="http://schemas.microsoft.com/office/powerpoint/2010/main" id="1" dur="indefinite" restart="never" nodeType="tmRoot"/>
       </p:par>
     </p:tnLst>
   </p:timing>
@@ -10956,14 +10942,14 @@
             <a:noFill/>
           </a:ln>
           <a:extLst>
-            <a:ext uri="{909E8E84-426E-40DD-AFC4-6F175D3DCCD1}">
+            <a:ext uri="{909E8E84-426E-40dd-AFC4-6F175D3DCCD1}">
               <a14:hiddenFill xmlns:a14="http://schemas.microsoft.com/office/drawing/2010/main">
                 <a:solidFill>
                   <a:schemeClr val="accent1"/>
                 </a:solidFill>
               </a14:hiddenFill>
             </a:ext>
-            <a:ext uri="{91240B29-F687-4F45-9708-019B960494DF}">
+            <a:ext uri="{91240B29-F687-4f45-9708-019B960494DF}">
               <a14:hiddenLine xmlns:a14="http://schemas.microsoft.com/office/drawing/2010/main" w="9525">
                 <a:solidFill>
                   <a:schemeClr val="tx1"/>
@@ -10989,7 +10975,7 @@
   <p:timing>
     <p:tnLst>
       <p:par>
-        <p:cTn id="1" dur="indefinite" restart="never" nodeType="tmRoot"/>
+        <p:cTn xmlns:p14="http://schemas.microsoft.com/office/powerpoint/2010/main" id="1" dur="indefinite" restart="never" nodeType="tmRoot"/>
       </p:par>
     </p:tnLst>
   </p:timing>
@@ -11070,14 +11056,14 @@
             <a:noFill/>
           </a:ln>
           <a:extLst>
-            <a:ext uri="{909E8E84-426E-40DD-AFC4-6F175D3DCCD1}">
+            <a:ext uri="{909E8E84-426E-40dd-AFC4-6F175D3DCCD1}">
               <a14:hiddenFill xmlns:a14="http://schemas.microsoft.com/office/drawing/2010/main">
                 <a:solidFill>
                   <a:schemeClr val="accent1"/>
                 </a:solidFill>
               </a14:hiddenFill>
             </a:ext>
-            <a:ext uri="{91240B29-F687-4F45-9708-019B960494DF}">
+            <a:ext uri="{91240B29-F687-4f45-9708-019B960494DF}">
               <a14:hiddenLine xmlns:a14="http://schemas.microsoft.com/office/drawing/2010/main" w="9525">
                 <a:solidFill>
                   <a:schemeClr val="tx1"/>
@@ -11103,7 +11089,7 @@
   <p:timing>
     <p:tnLst>
       <p:par>
-        <p:cTn id="1" dur="indefinite" restart="never" nodeType="tmRoot"/>
+        <p:cTn xmlns:p14="http://schemas.microsoft.com/office/powerpoint/2010/main" id="1" dur="indefinite" restart="never" nodeType="tmRoot"/>
       </p:par>
     </p:tnLst>
   </p:timing>
@@ -11184,14 +11170,14 @@
             <a:noFill/>
           </a:ln>
           <a:extLst>
-            <a:ext uri="{909E8E84-426E-40DD-AFC4-6F175D3DCCD1}">
+            <a:ext uri="{909E8E84-426E-40dd-AFC4-6F175D3DCCD1}">
               <a14:hiddenFill xmlns:a14="http://schemas.microsoft.com/office/drawing/2010/main">
                 <a:solidFill>
                   <a:schemeClr val="accent1"/>
                 </a:solidFill>
               </a14:hiddenFill>
             </a:ext>
-            <a:ext uri="{91240B29-F687-4F45-9708-019B960494DF}">
+            <a:ext uri="{91240B29-F687-4f45-9708-019B960494DF}">
               <a14:hiddenLine xmlns:a14="http://schemas.microsoft.com/office/drawing/2010/main" w="9525">
                 <a:solidFill>
                   <a:schemeClr val="tx1"/>
@@ -11284,7 +11270,7 @@
   <p:timing>
     <p:tnLst>
       <p:par>
-        <p:cTn id="1" dur="indefinite" restart="never" nodeType="tmRoot"/>
+        <p:cTn xmlns:p14="http://schemas.microsoft.com/office/powerpoint/2010/main" id="1" dur="indefinite" restart="never" nodeType="tmRoot"/>
       </p:par>
     </p:tnLst>
   </p:timing>
@@ -11365,14 +11351,14 @@
             <a:noFill/>
           </a:ln>
           <a:extLst>
-            <a:ext uri="{909E8E84-426E-40DD-AFC4-6F175D3DCCD1}">
+            <a:ext uri="{909E8E84-426E-40dd-AFC4-6F175D3DCCD1}">
               <a14:hiddenFill xmlns:a14="http://schemas.microsoft.com/office/drawing/2010/main">
                 <a:solidFill>
                   <a:schemeClr val="accent1"/>
                 </a:solidFill>
               </a14:hiddenFill>
             </a:ext>
-            <a:ext uri="{91240B29-F687-4F45-9708-019B960494DF}">
+            <a:ext uri="{91240B29-F687-4f45-9708-019B960494DF}">
               <a14:hiddenLine xmlns:a14="http://schemas.microsoft.com/office/drawing/2010/main" w="9525">
                 <a:solidFill>
                   <a:schemeClr val="tx1"/>
@@ -11398,7 +11384,7 @@
   <p:timing>
     <p:tnLst>
       <p:par>
-        <p:cTn id="1" dur="indefinite" restart="never" nodeType="tmRoot"/>
+        <p:cTn xmlns:p14="http://schemas.microsoft.com/office/powerpoint/2010/main" id="1" dur="indefinite" restart="never" nodeType="tmRoot"/>
       </p:par>
     </p:tnLst>
   </p:timing>
@@ -11456,14 +11442,14 @@
             <a:noFill/>
           </a:ln>
           <a:extLst>
-            <a:ext uri="{909E8E84-426E-40DD-AFC4-6F175D3DCCD1}">
+            <a:ext uri="{909E8E84-426E-40dd-AFC4-6F175D3DCCD1}">
               <a14:hiddenFill xmlns:a14="http://schemas.microsoft.com/office/drawing/2010/main">
                 <a:solidFill>
                   <a:schemeClr val="accent1"/>
                 </a:solidFill>
               </a14:hiddenFill>
             </a:ext>
-            <a:ext uri="{91240B29-F687-4F45-9708-019B960494DF}">
+            <a:ext uri="{91240B29-F687-4f45-9708-019B960494DF}">
               <a14:hiddenLine xmlns:a14="http://schemas.microsoft.com/office/drawing/2010/main" w="9525">
                 <a:solidFill>
                   <a:schemeClr val="tx1"/>
@@ -11580,14 +11566,14 @@
             <a:noFill/>
           </a:ln>
           <a:extLst>
-            <a:ext uri="{909E8E84-426E-40DD-AFC4-6F175D3DCCD1}">
+            <a:ext uri="{909E8E84-426E-40dd-AFC4-6F175D3DCCD1}">
               <a14:hiddenFill xmlns:a14="http://schemas.microsoft.com/office/drawing/2010/main">
                 <a:solidFill>
                   <a:schemeClr val="accent1"/>
                 </a:solidFill>
               </a14:hiddenFill>
             </a:ext>
-            <a:ext uri="{91240B29-F687-4F45-9708-019B960494DF}">
+            <a:ext uri="{91240B29-F687-4f45-9708-019B960494DF}">
               <a14:hiddenLine xmlns:a14="http://schemas.microsoft.com/office/drawing/2010/main" w="9525">
                 <a:solidFill>
                   <a:schemeClr val="tx1"/>
@@ -11613,7 +11599,7 @@
   <p:timing>
     <p:tnLst>
       <p:par>
-        <p:cTn id="1" dur="indefinite" restart="never" nodeType="tmRoot">
+        <p:cTn xmlns:p14="http://schemas.microsoft.com/office/powerpoint/2010/main" id="1" dur="indefinite" restart="never" nodeType="tmRoot">
           <p:childTnLst>
             <p:seq concurrent="1" nextAc="seek">
               <p:cTn id="2" dur="indefinite" nodeType="mainSeq">
@@ -11770,14 +11756,14 @@
             <a:noFill/>
           </a:ln>
           <a:extLst>
-            <a:ext uri="{909E8E84-426E-40DD-AFC4-6F175D3DCCD1}">
+            <a:ext uri="{909E8E84-426E-40dd-AFC4-6F175D3DCCD1}">
               <a14:hiddenFill xmlns:a14="http://schemas.microsoft.com/office/drawing/2010/main">
                 <a:solidFill>
                   <a:schemeClr val="accent1"/>
                 </a:solidFill>
               </a14:hiddenFill>
             </a:ext>
-            <a:ext uri="{91240B29-F687-4F45-9708-019B960494DF}">
+            <a:ext uri="{91240B29-F687-4f45-9708-019B960494DF}">
               <a14:hiddenLine xmlns:a14="http://schemas.microsoft.com/office/drawing/2010/main" w="9525">
                 <a:solidFill>
                   <a:schemeClr val="tx1"/>
@@ -11803,7 +11789,7 @@
   <p:timing>
     <p:tnLst>
       <p:par>
-        <p:cTn id="1" dur="indefinite" restart="never" nodeType="tmRoot"/>
+        <p:cTn xmlns:p14="http://schemas.microsoft.com/office/powerpoint/2010/main" id="1" dur="indefinite" restart="never" nodeType="tmRoot"/>
       </p:par>
     </p:tnLst>
   </p:timing>
@@ -11884,14 +11870,14 @@
             <a:noFill/>
           </a:ln>
           <a:extLst>
-            <a:ext uri="{909E8E84-426E-40DD-AFC4-6F175D3DCCD1}">
+            <a:ext uri="{909E8E84-426E-40dd-AFC4-6F175D3DCCD1}">
               <a14:hiddenFill xmlns:a14="http://schemas.microsoft.com/office/drawing/2010/main">
                 <a:solidFill>
                   <a:schemeClr val="accent1"/>
                 </a:solidFill>
               </a14:hiddenFill>
             </a:ext>
-            <a:ext uri="{91240B29-F687-4F45-9708-019B960494DF}">
+            <a:ext uri="{91240B29-F687-4f45-9708-019B960494DF}">
               <a14:hiddenLine xmlns:a14="http://schemas.microsoft.com/office/drawing/2010/main" w="9525">
                 <a:solidFill>
                   <a:schemeClr val="tx1"/>
@@ -11917,7 +11903,7 @@
   <p:timing>
     <p:tnLst>
       <p:par>
-        <p:cTn id="1" dur="indefinite" restart="never" nodeType="tmRoot"/>
+        <p:cTn xmlns:p14="http://schemas.microsoft.com/office/powerpoint/2010/main" id="1" dur="indefinite" restart="never" nodeType="tmRoot"/>
       </p:par>
     </p:tnLst>
   </p:timing>
@@ -11998,14 +11984,14 @@
             <a:noFill/>
           </a:ln>
           <a:extLst>
-            <a:ext uri="{909E8E84-426E-40DD-AFC4-6F175D3DCCD1}">
+            <a:ext uri="{909E8E84-426E-40dd-AFC4-6F175D3DCCD1}">
               <a14:hiddenFill xmlns:a14="http://schemas.microsoft.com/office/drawing/2010/main">
                 <a:solidFill>
                   <a:schemeClr val="accent1"/>
                 </a:solidFill>
               </a14:hiddenFill>
             </a:ext>
-            <a:ext uri="{91240B29-F687-4F45-9708-019B960494DF}">
+            <a:ext uri="{91240B29-F687-4f45-9708-019B960494DF}">
               <a14:hiddenLine xmlns:a14="http://schemas.microsoft.com/office/drawing/2010/main" w="9525">
                 <a:solidFill>
                   <a:schemeClr val="tx1"/>
@@ -12031,7 +12017,7 @@
   <p:timing>
     <p:tnLst>
       <p:par>
-        <p:cTn id="1" dur="indefinite" restart="never" nodeType="tmRoot"/>
+        <p:cTn xmlns:p14="http://schemas.microsoft.com/office/powerpoint/2010/main" id="1" dur="indefinite" restart="never" nodeType="tmRoot"/>
       </p:par>
     </p:tnLst>
   </p:timing>
@@ -12112,14 +12098,14 @@
             <a:noFill/>
           </a:ln>
           <a:extLst>
-            <a:ext uri="{909E8E84-426E-40DD-AFC4-6F175D3DCCD1}">
+            <a:ext uri="{909E8E84-426E-40dd-AFC4-6F175D3DCCD1}">
               <a14:hiddenFill xmlns:a14="http://schemas.microsoft.com/office/drawing/2010/main">
                 <a:solidFill>
                   <a:schemeClr val="accent1"/>
                 </a:solidFill>
               </a14:hiddenFill>
             </a:ext>
-            <a:ext uri="{91240B29-F687-4F45-9708-019B960494DF}">
+            <a:ext uri="{91240B29-F687-4f45-9708-019B960494DF}">
               <a14:hiddenLine xmlns:a14="http://schemas.microsoft.com/office/drawing/2010/main" w="9525">
                 <a:solidFill>
                   <a:schemeClr val="tx1"/>
@@ -12166,14 +12152,14 @@
             <a:noFill/>
           </a:ln>
           <a:extLst>
-            <a:ext uri="{909E8E84-426E-40DD-AFC4-6F175D3DCCD1}">
+            <a:ext uri="{909E8E84-426E-40dd-AFC4-6F175D3DCCD1}">
               <a14:hiddenFill xmlns:a14="http://schemas.microsoft.com/office/drawing/2010/main">
                 <a:solidFill>
                   <a:schemeClr val="accent1"/>
                 </a:solidFill>
               </a14:hiddenFill>
             </a:ext>
-            <a:ext uri="{91240B29-F687-4F45-9708-019B960494DF}">
+            <a:ext uri="{91240B29-F687-4f45-9708-019B960494DF}">
               <a14:hiddenLine xmlns:a14="http://schemas.microsoft.com/office/drawing/2010/main" w="9525">
                 <a:solidFill>
                   <a:schemeClr val="tx1"/>
@@ -12220,14 +12206,14 @@
             <a:noFill/>
           </a:ln>
           <a:extLst>
-            <a:ext uri="{909E8E84-426E-40DD-AFC4-6F175D3DCCD1}">
+            <a:ext uri="{909E8E84-426E-40dd-AFC4-6F175D3DCCD1}">
               <a14:hiddenFill xmlns:a14="http://schemas.microsoft.com/office/drawing/2010/main">
                 <a:solidFill>
                   <a:schemeClr val="accent1"/>
                 </a:solidFill>
               </a14:hiddenFill>
             </a:ext>
-            <a:ext uri="{91240B29-F687-4F45-9708-019B960494DF}">
+            <a:ext uri="{91240B29-F687-4f45-9708-019B960494DF}">
               <a14:hiddenLine xmlns:a14="http://schemas.microsoft.com/office/drawing/2010/main" w="9525">
                 <a:solidFill>
                   <a:schemeClr val="tx1"/>
@@ -12253,7 +12239,7 @@
   <p:timing>
     <p:tnLst>
       <p:par>
-        <p:cTn id="1" dur="indefinite" restart="never" nodeType="tmRoot">
+        <p:cTn xmlns:p14="http://schemas.microsoft.com/office/powerpoint/2010/main" id="1" dur="indefinite" restart="never" nodeType="tmRoot">
           <p:childTnLst>
             <p:seq concurrent="1" nextAc="seek">
               <p:cTn id="2" dur="indefinite" nodeType="mainSeq">
@@ -12522,7 +12508,7 @@
   <p:timing>
     <p:tnLst>
       <p:par>
-        <p:cTn id="1" dur="indefinite" restart="never" nodeType="tmRoot"/>
+        <p:cTn xmlns:p14="http://schemas.microsoft.com/office/powerpoint/2010/main" id="1" dur="indefinite" restart="never" nodeType="tmRoot"/>
       </p:par>
     </p:tnLst>
   </p:timing>
@@ -12603,14 +12589,14 @@
             <a:noFill/>
           </a:ln>
           <a:extLst>
-            <a:ext uri="{909E8E84-426E-40DD-AFC4-6F175D3DCCD1}">
+            <a:ext uri="{909E8E84-426E-40dd-AFC4-6F175D3DCCD1}">
               <a14:hiddenFill xmlns:a14="http://schemas.microsoft.com/office/drawing/2010/main">
                 <a:solidFill>
                   <a:schemeClr val="accent1"/>
                 </a:solidFill>
               </a14:hiddenFill>
             </a:ext>
-            <a:ext uri="{91240B29-F687-4F45-9708-019B960494DF}">
+            <a:ext uri="{91240B29-F687-4f45-9708-019B960494DF}">
               <a14:hiddenLine xmlns:a14="http://schemas.microsoft.com/office/drawing/2010/main" w="9525">
                 <a:solidFill>
                   <a:schemeClr val="tx1"/>
@@ -12657,14 +12643,14 @@
             <a:noFill/>
           </a:ln>
           <a:extLst>
-            <a:ext uri="{909E8E84-426E-40DD-AFC4-6F175D3DCCD1}">
+            <a:ext uri="{909E8E84-426E-40dd-AFC4-6F175D3DCCD1}">
               <a14:hiddenFill xmlns:a14="http://schemas.microsoft.com/office/drawing/2010/main">
                 <a:solidFill>
                   <a:schemeClr val="accent1"/>
                 </a:solidFill>
               </a14:hiddenFill>
             </a:ext>
-            <a:ext uri="{91240B29-F687-4F45-9708-019B960494DF}">
+            <a:ext uri="{91240B29-F687-4f45-9708-019B960494DF}">
               <a14:hiddenLine xmlns:a14="http://schemas.microsoft.com/office/drawing/2010/main" w="9525">
                 <a:solidFill>
                   <a:schemeClr val="tx1"/>
@@ -12690,7 +12676,7 @@
   <p:timing>
     <p:tnLst>
       <p:par>
-        <p:cTn id="1" dur="indefinite" restart="never" nodeType="tmRoot">
+        <p:cTn xmlns:p14="http://schemas.microsoft.com/office/powerpoint/2010/main" id="1" dur="indefinite" restart="never" nodeType="tmRoot">
           <p:childTnLst>
             <p:seq concurrent="1" nextAc="seek">
               <p:cTn id="2" dur="indefinite" nodeType="mainSeq">
@@ -12847,14 +12833,14 @@
             <a:noFill/>
           </a:ln>
           <a:extLst>
-            <a:ext uri="{909E8E84-426E-40DD-AFC4-6F175D3DCCD1}">
+            <a:ext uri="{909E8E84-426E-40dd-AFC4-6F175D3DCCD1}">
               <a14:hiddenFill xmlns:a14="http://schemas.microsoft.com/office/drawing/2010/main">
                 <a:solidFill>
                   <a:schemeClr val="accent1"/>
                 </a:solidFill>
               </a14:hiddenFill>
             </a:ext>
-            <a:ext uri="{91240B29-F687-4F45-9708-019B960494DF}">
+            <a:ext uri="{91240B29-F687-4f45-9708-019B960494DF}">
               <a14:hiddenLine xmlns:a14="http://schemas.microsoft.com/office/drawing/2010/main" w="9525">
                 <a:solidFill>
                   <a:schemeClr val="tx1"/>
@@ -12880,7 +12866,7 @@
   <p:timing>
     <p:tnLst>
       <p:par>
-        <p:cTn id="1" dur="indefinite" restart="never" nodeType="tmRoot"/>
+        <p:cTn xmlns:p14="http://schemas.microsoft.com/office/powerpoint/2010/main" id="1" dur="indefinite" restart="never" nodeType="tmRoot"/>
       </p:par>
     </p:tnLst>
   </p:timing>
@@ -12961,14 +12947,14 @@
             <a:noFill/>
           </a:ln>
           <a:extLst>
-            <a:ext uri="{909E8E84-426E-40DD-AFC4-6F175D3DCCD1}">
+            <a:ext uri="{909E8E84-426E-40dd-AFC4-6F175D3DCCD1}">
               <a14:hiddenFill xmlns:a14="http://schemas.microsoft.com/office/drawing/2010/main">
                 <a:solidFill>
                   <a:schemeClr val="accent1"/>
                 </a:solidFill>
               </a14:hiddenFill>
             </a:ext>
-            <a:ext uri="{91240B29-F687-4F45-9708-019B960494DF}">
+            <a:ext uri="{91240B29-F687-4f45-9708-019B960494DF}">
               <a14:hiddenLine xmlns:a14="http://schemas.microsoft.com/office/drawing/2010/main" w="9525">
                 <a:solidFill>
                   <a:schemeClr val="tx1"/>
@@ -12994,7 +12980,7 @@
   <p:timing>
     <p:tnLst>
       <p:par>
-        <p:cTn id="1" dur="indefinite" restart="never" nodeType="tmRoot"/>
+        <p:cTn xmlns:p14="http://schemas.microsoft.com/office/powerpoint/2010/main" id="1" dur="indefinite" restart="never" nodeType="tmRoot"/>
       </p:par>
     </p:tnLst>
   </p:timing>
@@ -13260,13 +13246,13 @@
       <p:transition spd="slow" p14:dur="2000"/>
     </mc:Choice>
     <mc:Fallback>
-      <p:transition spd="slow"/>
+      <p:transition xmlns:p14="http://schemas.microsoft.com/office/powerpoint/2010/main" spd="slow"/>
     </mc:Fallback>
   </mc:AlternateContent>
   <p:timing>
     <p:tnLst>
       <p:par>
-        <p:cTn id="1" dur="indefinite" restart="never" nodeType="tmRoot"/>
+        <p:cTn xmlns:p14="http://schemas.microsoft.com/office/powerpoint/2010/main" id="1" dur="indefinite" restart="never" nodeType="tmRoot"/>
       </p:par>
     </p:tnLst>
   </p:timing>
@@ -13687,7 +13673,7 @@
   <p:timing>
     <p:tnLst>
       <p:par>
-        <p:cTn id="1" dur="indefinite" restart="never" nodeType="tmRoot"/>
+        <p:cTn xmlns:p14="http://schemas.microsoft.com/office/powerpoint/2010/main" id="1" dur="indefinite" restart="never" nodeType="tmRoot"/>
       </p:par>
     </p:tnLst>
   </p:timing>
@@ -13765,7 +13751,7 @@
   <p:timing>
     <p:tnLst>
       <p:par>
-        <p:cTn id="1" dur="indefinite" restart="never" nodeType="tmRoot"/>
+        <p:cTn xmlns:p14="http://schemas.microsoft.com/office/powerpoint/2010/main" id="1" dur="indefinite" restart="never" nodeType="tmRoot"/>
       </p:par>
     </p:tnLst>
   </p:timing>
@@ -13909,7 +13895,7 @@
   <p:timing>
     <p:tnLst>
       <p:par>
-        <p:cTn id="1" dur="indefinite" restart="never" nodeType="tmRoot"/>
+        <p:cTn xmlns:p14="http://schemas.microsoft.com/office/powerpoint/2010/main" id="1" dur="indefinite" restart="never" nodeType="tmRoot"/>
       </p:par>
     </p:tnLst>
   </p:timing>
@@ -14110,7 +14096,7 @@
   <p:timing>
     <p:tnLst>
       <p:par>
-        <p:cTn id="1" dur="indefinite" restart="never" nodeType="tmRoot"/>
+        <p:cTn xmlns:p14="http://schemas.microsoft.com/office/powerpoint/2010/main" id="1" dur="indefinite" restart="never" nodeType="tmRoot"/>
       </p:par>
     </p:tnLst>
   </p:timing>
@@ -14192,7 +14178,7 @@
   <p:timing>
     <p:tnLst>
       <p:par>
-        <p:cTn id="1" dur="indefinite" restart="never" nodeType="tmRoot"/>
+        <p:cTn xmlns:p14="http://schemas.microsoft.com/office/powerpoint/2010/main" id="1" dur="indefinite" restart="never" nodeType="tmRoot"/>
       </p:par>
     </p:tnLst>
   </p:timing>
@@ -14373,34 +14359,22 @@
               <a:rPr lang="de-AT" sz="2000" dirty="0" smtClean="0">
                 <a:latin typeface="Comic Sans MS" pitchFamily="66" charset="0"/>
               </a:rPr>
-              <a:t>     public void </a:t>
+              <a:t>     public void checkVariableName(</a:t>
             </a:r>
             <a:r>
               <a:rPr lang="de-AT" sz="2000" dirty="0" smtClean="0">
-                <a:latin typeface="Comic Sans MS" pitchFamily="66" charset="0"/>
-              </a:rPr>
-              <a:t>checkVariableName(</a:t>
+                <a:solidFill>
+                  <a:srgbClr val="FF0000"/>
+                </a:solidFill>
+                <a:latin typeface="Comic Sans MS" pitchFamily="66" charset="0"/>
+              </a:rPr>
+              <a:t>VarName </a:t>
             </a:r>
             <a:r>
               <a:rPr lang="de-AT" sz="2000" dirty="0" smtClean="0">
-                <a:solidFill>
-                  <a:srgbClr val="FF0000"/>
-                </a:solidFill>
-                <a:latin typeface="Comic Sans MS" pitchFamily="66" charset="0"/>
-              </a:rPr>
-              <a:t>VarName </a:t>
-            </a:r>
-            <a:r>
-              <a:rPr lang="de-AT" sz="2000" dirty="0" smtClean="0">
-                <a:latin typeface="Comic Sans MS" pitchFamily="66" charset="0"/>
-              </a:rPr>
-              <a:t>name) </a:t>
-            </a:r>
-            <a:r>
-              <a:rPr lang="de-AT" sz="2000" dirty="0" smtClean="0">
-                <a:latin typeface="Comic Sans MS" pitchFamily="66" charset="0"/>
-              </a:rPr>
-              <a:t>{</a:t>
+                <a:latin typeface="Comic Sans MS" pitchFamily="66" charset="0"/>
+              </a:rPr>
+              <a:t>name) {</a:t>
             </a:r>
           </a:p>
           <a:p>
@@ -14477,14 +14451,14 @@
             <a:noFill/>
           </a:ln>
           <a:extLst>
-            <a:ext uri="{909E8E84-426E-40DD-AFC4-6F175D3DCCD1}">
+            <a:ext uri="{909E8E84-426E-40dd-AFC4-6F175D3DCCD1}">
               <a14:hiddenFill xmlns:a14="http://schemas.microsoft.com/office/drawing/2010/main">
                 <a:solidFill>
                   <a:schemeClr val="accent1"/>
                 </a:solidFill>
               </a14:hiddenFill>
             </a:ext>
-            <a:ext uri="{91240B29-F687-4F45-9708-019B960494DF}">
+            <a:ext uri="{91240B29-F687-4f45-9708-019B960494DF}">
               <a14:hiddenLine xmlns:a14="http://schemas.microsoft.com/office/drawing/2010/main" w="9525">
                 <a:solidFill>
                   <a:schemeClr val="tx1"/>
@@ -14505,7 +14479,7 @@
   <p:timing>
     <p:tnLst>
       <p:par>
-        <p:cTn id="1" dur="indefinite" restart="never" nodeType="tmRoot"/>
+        <p:cTn xmlns:p14="http://schemas.microsoft.com/office/powerpoint/2010/main" id="1" dur="indefinite" restart="never" nodeType="tmRoot"/>
       </p:par>
     </p:tnLst>
   </p:timing>
@@ -14638,7 +14612,7 @@
   <p:timing>
     <p:tnLst>
       <p:par>
-        <p:cTn id="1" dur="indefinite" restart="never" nodeType="tmRoot"/>
+        <p:cTn xmlns:p14="http://schemas.microsoft.com/office/powerpoint/2010/main" id="1" dur="indefinite" restart="never" nodeType="tmRoot"/>
       </p:par>
     </p:tnLst>
   </p:timing>
@@ -14734,18 +14708,18 @@
   <p:clrMapOvr>
     <a:masterClrMapping/>
   </p:clrMapOvr>
-  <mc:AlternateContent xmlns:mc="http://schemas.openxmlformats.org/markup-compatibility/2006" xmlns:p14="http://schemas.microsoft.com/office/powerpoint/2010/main">
-    <mc:Choice Requires="p14">
+  <mc:AlternateContent xmlns:mc="http://schemas.openxmlformats.org/markup-compatibility/2006">
+    <mc:Choice xmlns:p14="http://schemas.microsoft.com/office/powerpoint/2010/main" Requires="p14">
       <p:transition spd="slow" p14:dur="2000"/>
     </mc:Choice>
-    <mc:Fallback xmlns="">
-      <p:transition spd="slow"/>
+    <mc:Fallback>
+      <p:transition xmlns:p14="http://schemas.microsoft.com/office/powerpoint/2010/main" spd="slow"/>
     </mc:Fallback>
   </mc:AlternateContent>
   <p:timing>
     <p:tnLst>
       <p:par>
-        <p:cTn id="1" dur="indefinite" restart="never" nodeType="tmRoot"/>
+        <p:cTn xmlns:p14="http://schemas.microsoft.com/office/powerpoint/2010/main" id="1" dur="indefinite" restart="never" nodeType="tmRoot"/>
       </p:par>
     </p:tnLst>
   </p:timing>
@@ -14853,18 +14827,18 @@
   <p:clrMapOvr>
     <a:masterClrMapping/>
   </p:clrMapOvr>
-  <mc:AlternateContent xmlns:mc="http://schemas.openxmlformats.org/markup-compatibility/2006" xmlns:p14="http://schemas.microsoft.com/office/powerpoint/2010/main">
-    <mc:Choice Requires="p14">
+  <mc:AlternateContent xmlns:mc="http://schemas.openxmlformats.org/markup-compatibility/2006">
+    <mc:Choice xmlns:p14="http://schemas.microsoft.com/office/powerpoint/2010/main" Requires="p14">
       <p:transition spd="slow" p14:dur="2000"/>
     </mc:Choice>
-    <mc:Fallback xmlns="">
-      <p:transition spd="slow"/>
+    <mc:Fallback>
+      <p:transition xmlns:p14="http://schemas.microsoft.com/office/powerpoint/2010/main" spd="slow"/>
     </mc:Fallback>
   </mc:AlternateContent>
   <p:timing>
     <p:tnLst>
       <p:par>
-        <p:cTn id="1" dur="indefinite" restart="never" nodeType="tmRoot"/>
+        <p:cTn xmlns:p14="http://schemas.microsoft.com/office/powerpoint/2010/main" id="1" dur="indefinite" restart="never" nodeType="tmRoot"/>
       </p:par>
     </p:tnLst>
   </p:timing>
@@ -15109,18 +15083,18 @@
   <p:clrMapOvr>
     <a:masterClrMapping/>
   </p:clrMapOvr>
-  <mc:AlternateContent xmlns:mc="http://schemas.openxmlformats.org/markup-compatibility/2006" xmlns:p14="http://schemas.microsoft.com/office/powerpoint/2010/main">
-    <mc:Choice Requires="p14">
+  <mc:AlternateContent xmlns:mc="http://schemas.openxmlformats.org/markup-compatibility/2006">
+    <mc:Choice xmlns:p14="http://schemas.microsoft.com/office/powerpoint/2010/main" Requires="p14">
       <p:transition spd="slow" p14:dur="2000"/>
     </mc:Choice>
-    <mc:Fallback xmlns="">
-      <p:transition spd="slow"/>
+    <mc:Fallback>
+      <p:transition xmlns:p14="http://schemas.microsoft.com/office/powerpoint/2010/main" spd="slow"/>
     </mc:Fallback>
   </mc:AlternateContent>
   <p:timing>
     <p:tnLst>
       <p:par>
-        <p:cTn id="1" dur="indefinite" restart="never" nodeType="tmRoot"/>
+        <p:cTn xmlns:p14="http://schemas.microsoft.com/office/powerpoint/2010/main" id="1" dur="indefinite" restart="never" nodeType="tmRoot"/>
       </p:par>
     </p:tnLst>
   </p:timing>
@@ -15777,18 +15751,18 @@
   <p:clrMapOvr>
     <a:masterClrMapping/>
   </p:clrMapOvr>
-  <mc:AlternateContent xmlns:mc="http://schemas.openxmlformats.org/markup-compatibility/2006" xmlns:p14="http://schemas.microsoft.com/office/powerpoint/2010/main">
-    <mc:Choice Requires="p14">
+  <mc:AlternateContent xmlns:mc="http://schemas.openxmlformats.org/markup-compatibility/2006">
+    <mc:Choice xmlns:p14="http://schemas.microsoft.com/office/powerpoint/2010/main" Requires="p14">
       <p:transition spd="slow" p14:dur="2000"/>
     </mc:Choice>
-    <mc:Fallback xmlns="">
-      <p:transition spd="slow"/>
+    <mc:Fallback>
+      <p:transition xmlns:p14="http://schemas.microsoft.com/office/powerpoint/2010/main" spd="slow"/>
     </mc:Fallback>
   </mc:AlternateContent>
   <p:timing>
     <p:tnLst>
       <p:par>
-        <p:cTn id="1" dur="indefinite" restart="never" nodeType="tmRoot"/>
+        <p:cTn xmlns:p14="http://schemas.microsoft.com/office/powerpoint/2010/main" id="1" dur="indefinite" restart="never" nodeType="tmRoot"/>
       </p:par>
     </p:tnLst>
   </p:timing>
@@ -15866,7 +15840,7 @@
   <p:timing>
     <p:tnLst>
       <p:par>
-        <p:cTn id="1" dur="indefinite" restart="never" nodeType="tmRoot"/>
+        <p:cTn xmlns:p14="http://schemas.microsoft.com/office/powerpoint/2010/main" id="1" dur="indefinite" restart="never" nodeType="tmRoot"/>
       </p:par>
     </p:tnLst>
   </p:timing>
@@ -16011,7 +15985,7 @@
   <p:timing>
     <p:tnLst>
       <p:par>
-        <p:cTn id="1" dur="indefinite" restart="never" nodeType="tmRoot"/>
+        <p:cTn xmlns:p14="http://schemas.microsoft.com/office/powerpoint/2010/main" id="1" dur="indefinite" restart="never" nodeType="tmRoot"/>
       </p:par>
     </p:tnLst>
   </p:timing>
@@ -16311,7 +16285,7 @@
   <p:timing>
     <p:tnLst>
       <p:par>
-        <p:cTn id="1" dur="indefinite" restart="never" nodeType="tmRoot"/>
+        <p:cTn xmlns:p14="http://schemas.microsoft.com/office/powerpoint/2010/main" id="1" dur="indefinite" restart="never" nodeType="tmRoot"/>
       </p:par>
     </p:tnLst>
   </p:timing>
@@ -16768,7 +16742,7 @@
   <p:timing>
     <p:tnLst>
       <p:par>
-        <p:cTn id="1" dur="indefinite" restart="never" nodeType="tmRoot"/>
+        <p:cTn xmlns:p14="http://schemas.microsoft.com/office/powerpoint/2010/main" id="1" dur="indefinite" restart="never" nodeType="tmRoot"/>
       </p:par>
     </p:tnLst>
   </p:timing>
@@ -16852,18 +16826,18 @@
   <p:clrMapOvr>
     <a:masterClrMapping/>
   </p:clrMapOvr>
-  <mc:AlternateContent xmlns:mc="http://schemas.openxmlformats.org/markup-compatibility/2006" xmlns:p14="http://schemas.microsoft.com/office/powerpoint/2010/main">
-    <mc:Choice Requires="p14">
+  <mc:AlternateContent xmlns:mc="http://schemas.openxmlformats.org/markup-compatibility/2006">
+    <mc:Choice xmlns:p14="http://schemas.microsoft.com/office/powerpoint/2010/main" Requires="p14">
       <p:transition spd="slow" p14:dur="2000"/>
     </mc:Choice>
-    <mc:Fallback xmlns="">
-      <p:transition spd="slow"/>
+    <mc:Fallback>
+      <p:transition xmlns:p14="http://schemas.microsoft.com/office/powerpoint/2010/main" spd="slow"/>
     </mc:Fallback>
   </mc:AlternateContent>
   <p:timing>
     <p:tnLst>
       <p:par>
-        <p:cTn id="1" dur="indefinite" restart="never" nodeType="tmRoot"/>
+        <p:cTn xmlns:p14="http://schemas.microsoft.com/office/powerpoint/2010/main" id="1" dur="indefinite" restart="never" nodeType="tmRoot"/>
       </p:par>
     </p:tnLst>
   </p:timing>
@@ -16941,18 +16915,18 @@
   <p:clrMapOvr>
     <a:masterClrMapping/>
   </p:clrMapOvr>
-  <mc:AlternateContent xmlns:mc="http://schemas.openxmlformats.org/markup-compatibility/2006" xmlns:p14="http://schemas.microsoft.com/office/powerpoint/2010/main">
-    <mc:Choice Requires="p14">
+  <mc:AlternateContent xmlns:mc="http://schemas.openxmlformats.org/markup-compatibility/2006">
+    <mc:Choice xmlns:p14="http://schemas.microsoft.com/office/powerpoint/2010/main" Requires="p14">
       <p:transition spd="slow" p14:dur="2000"/>
     </mc:Choice>
-    <mc:Fallback xmlns="">
-      <p:transition spd="slow"/>
+    <mc:Fallback>
+      <p:transition xmlns:p14="http://schemas.microsoft.com/office/powerpoint/2010/main" spd="slow"/>
     </mc:Fallback>
   </mc:AlternateContent>
   <p:timing>
     <p:tnLst>
       <p:par>
-        <p:cTn id="1" dur="indefinite" restart="never" nodeType="tmRoot"/>
+        <p:cTn xmlns:p14="http://schemas.microsoft.com/office/powerpoint/2010/main" id="1" dur="indefinite" restart="never" nodeType="tmRoot"/>
       </p:par>
     </p:tnLst>
   </p:timing>
@@ -17151,7 +17125,7 @@
   <p:timing>
     <p:tnLst>
       <p:par>
-        <p:cTn id="1" dur="indefinite" restart="never" nodeType="tmRoot">
+        <p:cTn xmlns:p14="http://schemas.microsoft.com/office/powerpoint/2010/main" id="1" dur="indefinite" restart="never" nodeType="tmRoot">
           <p:childTnLst>
             <p:seq concurrent="1" nextAc="seek">
               <p:cTn id="2" dur="indefinite" nodeType="mainSeq">
@@ -17525,18 +17499,18 @@
   <p:clrMapOvr>
     <a:masterClrMapping/>
   </p:clrMapOvr>
-  <mc:AlternateContent xmlns:mc="http://schemas.openxmlformats.org/markup-compatibility/2006" xmlns:p14="http://schemas.microsoft.com/office/powerpoint/2010/main">
-    <mc:Choice Requires="p14">
+  <mc:AlternateContent xmlns:mc="http://schemas.openxmlformats.org/markup-compatibility/2006">
+    <mc:Choice xmlns:p14="http://schemas.microsoft.com/office/powerpoint/2010/main" Requires="p14">
       <p:transition spd="slow" p14:dur="2000"/>
     </mc:Choice>
-    <mc:Fallback xmlns="">
-      <p:transition spd="slow"/>
+    <mc:Fallback>
+      <p:transition xmlns:p14="http://schemas.microsoft.com/office/powerpoint/2010/main" spd="slow"/>
     </mc:Fallback>
   </mc:AlternateContent>
   <p:timing>
     <p:tnLst>
       <p:par>
-        <p:cTn id="1" dur="indefinite" restart="never" nodeType="tmRoot"/>
+        <p:cTn xmlns:p14="http://schemas.microsoft.com/office/powerpoint/2010/main" id="1" dur="indefinite" restart="never" nodeType="tmRoot"/>
       </p:par>
     </p:tnLst>
   </p:timing>
@@ -17618,7 +17592,7 @@
   <p:timing>
     <p:tnLst>
       <p:par>
-        <p:cTn id="1" dur="indefinite" restart="never" nodeType="tmRoot"/>
+        <p:cTn xmlns:p14="http://schemas.microsoft.com/office/powerpoint/2010/main" id="1" dur="indefinite" restart="never" nodeType="tmRoot"/>
       </p:par>
     </p:tnLst>
   </p:timing>
@@ -17795,14 +17769,14 @@
             <a:noFill/>
           </a:ln>
           <a:extLst>
-            <a:ext uri="{909E8E84-426E-40DD-AFC4-6F175D3DCCD1}">
+            <a:ext uri="{909E8E84-426E-40dd-AFC4-6F175D3DCCD1}">
               <a14:hiddenFill xmlns:a14="http://schemas.microsoft.com/office/drawing/2010/main">
                 <a:solidFill>
                   <a:schemeClr val="accent1"/>
                 </a:solidFill>
               </a14:hiddenFill>
             </a:ext>
-            <a:ext uri="{91240B29-F687-4F45-9708-019B960494DF}">
+            <a:ext uri="{91240B29-F687-4f45-9708-019B960494DF}">
               <a14:hiddenLine xmlns:a14="http://schemas.microsoft.com/office/drawing/2010/main" w="9525">
                 <a:solidFill>
                   <a:schemeClr val="tx1"/>
@@ -17849,14 +17823,14 @@
             <a:noFill/>
           </a:ln>
           <a:extLst>
-            <a:ext uri="{909E8E84-426E-40DD-AFC4-6F175D3DCCD1}">
+            <a:ext uri="{909E8E84-426E-40dd-AFC4-6F175D3DCCD1}">
               <a14:hiddenFill xmlns:a14="http://schemas.microsoft.com/office/drawing/2010/main">
                 <a:solidFill>
                   <a:schemeClr val="accent1"/>
                 </a:solidFill>
               </a14:hiddenFill>
             </a:ext>
-            <a:ext uri="{91240B29-F687-4F45-9708-019B960494DF}">
+            <a:ext uri="{91240B29-F687-4f45-9708-019B960494DF}">
               <a14:hiddenLine xmlns:a14="http://schemas.microsoft.com/office/drawing/2010/main" w="9525">
                 <a:solidFill>
                   <a:schemeClr val="tx1"/>
@@ -17941,7 +17915,7 @@
   <p:timing>
     <p:tnLst>
       <p:par>
-        <p:cTn id="1" dur="indefinite" restart="never" nodeType="tmRoot"/>
+        <p:cTn xmlns:p14="http://schemas.microsoft.com/office/powerpoint/2010/main" id="1" dur="indefinite" restart="never" nodeType="tmRoot"/>
       </p:par>
     </p:tnLst>
   </p:timing>
@@ -18141,7 +18115,7 @@
             </a:endParaRPr>
           </a:p>
           <a:p>
-            <a:pPr>
+            <a:pPr marL="0" indent="0">
               <a:buNone/>
             </a:pPr>
             <a:r>
@@ -18157,38 +18131,203 @@
               <a:t>   </a:t>
             </a:r>
             <a:r>
-              <a:rPr lang="de-AT" sz="1600" dirty="0" smtClean="0">
-                <a:latin typeface="Comic Sans MS" pitchFamily="66" charset="0"/>
-              </a:rPr>
-              <a:t>c.setLinewrap().before(grammarAccess.getVarDeclRule());</a:t>
-            </a:r>
-          </a:p>
-          <a:p>
-            <a:pPr>
+              <a:rPr lang="de-DE" sz="1600" dirty="0" err="1">
+                <a:latin typeface="Comic Sans MS"/>
+                <a:cs typeface="Comic Sans MS"/>
+              </a:rPr>
+              <a:t>c.set</a:t>
+            </a:r>
+            <a:r>
+              <a:rPr lang="de-DE" sz="1600" dirty="0" err="1">
+                <a:solidFill>
+                  <a:srgbClr val="FF0000"/>
+                </a:solidFill>
+                <a:latin typeface="Comic Sans MS"/>
+                <a:cs typeface="Comic Sans MS"/>
+              </a:rPr>
+              <a:t>Linewrap</a:t>
+            </a:r>
+            <a:r>
+              <a:rPr lang="de-DE" sz="1600" dirty="0">
+                <a:latin typeface="Comic Sans MS"/>
+                <a:cs typeface="Comic Sans MS"/>
+              </a:rPr>
+              <a:t>().after(</a:t>
+            </a:r>
+            <a:r>
+              <a:rPr lang="de-DE" sz="1600" dirty="0" err="1">
+                <a:latin typeface="Comic Sans MS"/>
+                <a:cs typeface="Comic Sans MS"/>
+              </a:rPr>
+              <a:t>grammarAccess.getModelAccess</a:t>
+            </a:r>
+            <a:r>
+              <a:rPr lang="de-DE" sz="1600" dirty="0">
+                <a:latin typeface="Comic Sans MS"/>
+                <a:cs typeface="Comic Sans MS"/>
+              </a:rPr>
+              <a:t>().</a:t>
+            </a:r>
+            <a:r>
+              <a:rPr lang="de-DE" sz="1600" dirty="0">
+                <a:solidFill>
+                  <a:srgbClr val="FF0000"/>
+                </a:solidFill>
+                <a:latin typeface="Comic Sans MS"/>
+                <a:cs typeface="Comic Sans MS"/>
+              </a:rPr>
+              <a:t>getBEGINKeyword_4</a:t>
+            </a:r>
+            <a:r>
+              <a:rPr lang="de-DE" sz="1600" dirty="0">
+                <a:latin typeface="Comic Sans MS"/>
+                <a:cs typeface="Comic Sans MS"/>
+              </a:rPr>
+              <a:t>());</a:t>
+            </a:r>
+          </a:p>
+          <a:p>
+            <a:pPr marL="0" indent="0">
               <a:buNone/>
             </a:pPr>
             <a:r>
-              <a:rPr lang="de-AT" sz="1600" dirty="0" smtClean="0">
-                <a:latin typeface="Comic Sans MS" pitchFamily="66" charset="0"/>
-              </a:rPr>
-              <a:t>    c.setLinewrap().after(grammarAccess.getVarDeclRule());</a:t>
-            </a:r>
-          </a:p>
-          <a:p>
-            <a:pPr>
-              <a:buNone/>
-            </a:pPr>
-            <a:r>
-              <a:rPr lang="de-AT" sz="1600" dirty="0" smtClean="0">
-                <a:latin typeface="Comic Sans MS" pitchFamily="66" charset="0"/>
-              </a:rPr>
-              <a:t>    c.setLinewrap().after(grammarAccess.getVarDeclAccess().getVARKeyword_0());</a:t>
-            </a:r>
-          </a:p>
-          <a:p>
-            <a:pPr>
-              <a:buNone/>
-            </a:pPr>
+              <a:rPr lang="de-DE" sz="1600" dirty="0">
+                <a:latin typeface="Comic Sans MS"/>
+                <a:cs typeface="Comic Sans MS"/>
+              </a:rPr>
+              <a:t>    </a:t>
+            </a:r>
+            <a:r>
+              <a:rPr lang="de-DE" sz="1600" dirty="0" err="1">
+                <a:latin typeface="Comic Sans MS"/>
+                <a:cs typeface="Comic Sans MS"/>
+              </a:rPr>
+              <a:t>c.set</a:t>
+            </a:r>
+            <a:r>
+              <a:rPr lang="de-DE" sz="1600" dirty="0" err="1">
+                <a:solidFill>
+                  <a:srgbClr val="FF0000"/>
+                </a:solidFill>
+                <a:latin typeface="Comic Sans MS"/>
+                <a:cs typeface="Comic Sans MS"/>
+              </a:rPr>
+              <a:t>Linewrap</a:t>
+            </a:r>
+            <a:r>
+              <a:rPr lang="de-DE" sz="1600" dirty="0">
+                <a:latin typeface="Comic Sans MS"/>
+                <a:cs typeface="Comic Sans MS"/>
+              </a:rPr>
+              <a:t>().</a:t>
+            </a:r>
+            <a:r>
+              <a:rPr lang="de-DE" sz="1600" dirty="0" err="1">
+                <a:latin typeface="Comic Sans MS"/>
+                <a:cs typeface="Comic Sans MS"/>
+              </a:rPr>
+              <a:t>before</a:t>
+            </a:r>
+            <a:r>
+              <a:rPr lang="de-DE" sz="1600" dirty="0">
+                <a:latin typeface="Comic Sans MS"/>
+                <a:cs typeface="Comic Sans MS"/>
+              </a:rPr>
+              <a:t>(</a:t>
+            </a:r>
+            <a:r>
+              <a:rPr lang="de-DE" sz="1600" dirty="0" err="1">
+                <a:latin typeface="Comic Sans MS"/>
+                <a:cs typeface="Comic Sans MS"/>
+              </a:rPr>
+              <a:t>grammarAccess.getModelAccess</a:t>
+            </a:r>
+            <a:r>
+              <a:rPr lang="de-DE" sz="1600" dirty="0">
+                <a:latin typeface="Comic Sans MS"/>
+                <a:cs typeface="Comic Sans MS"/>
+              </a:rPr>
+              <a:t>().</a:t>
+            </a:r>
+            <a:r>
+              <a:rPr lang="de-DE" sz="1600" dirty="0">
+                <a:solidFill>
+                  <a:srgbClr val="FF0000"/>
+                </a:solidFill>
+                <a:latin typeface="Comic Sans MS"/>
+                <a:cs typeface="Comic Sans MS"/>
+              </a:rPr>
+              <a:t>getENDKeyword_6</a:t>
+            </a:r>
+            <a:r>
+              <a:rPr lang="de-DE" sz="1600" dirty="0">
+                <a:latin typeface="Comic Sans MS"/>
+                <a:cs typeface="Comic Sans MS"/>
+              </a:rPr>
+              <a:t>())</a:t>
+            </a:r>
+            <a:r>
+              <a:rPr lang="de-DE" sz="1600" dirty="0" smtClean="0">
+                <a:latin typeface="Comic Sans MS"/>
+                <a:cs typeface="Comic Sans MS"/>
+              </a:rPr>
+              <a:t>; </a:t>
+            </a:r>
+            <a:r>
+              <a:rPr lang="de-DE" sz="1600" dirty="0" err="1" smtClean="0">
+                <a:latin typeface="Comic Sans MS"/>
+                <a:cs typeface="Comic Sans MS"/>
+              </a:rPr>
+              <a:t>c.set</a:t>
+            </a:r>
+            <a:r>
+              <a:rPr lang="de-DE" sz="1600" dirty="0" err="1" smtClean="0">
+                <a:solidFill>
+                  <a:srgbClr val="FF0000"/>
+                </a:solidFill>
+                <a:latin typeface="Comic Sans MS"/>
+                <a:cs typeface="Comic Sans MS"/>
+              </a:rPr>
+              <a:t>Linewrap</a:t>
+            </a:r>
+            <a:r>
+              <a:rPr lang="de-DE" sz="1600" dirty="0" smtClean="0">
+                <a:latin typeface="Comic Sans MS"/>
+                <a:cs typeface="Comic Sans MS"/>
+              </a:rPr>
+              <a:t>().after(</a:t>
+            </a:r>
+            <a:r>
+              <a:rPr lang="de-DE" sz="1600" dirty="0" err="1" smtClean="0">
+                <a:latin typeface="Comic Sans MS"/>
+                <a:cs typeface="Comic Sans MS"/>
+              </a:rPr>
+              <a:t>grammarAccess.getStatSeqAccess</a:t>
+            </a:r>
+            <a:r>
+              <a:rPr lang="de-DE" sz="1600" dirty="0" smtClean="0">
+                <a:latin typeface="Comic Sans MS"/>
+                <a:cs typeface="Comic Sans MS"/>
+              </a:rPr>
+              <a:t>().</a:t>
+            </a:r>
+            <a:r>
+              <a:rPr lang="de-DE" sz="1600" dirty="0" smtClean="0">
+                <a:solidFill>
+                  <a:srgbClr val="FF0000"/>
+                </a:solidFill>
+                <a:latin typeface="Comic Sans MS"/>
+                <a:cs typeface="Comic Sans MS"/>
+              </a:rPr>
+              <a:t>getSemicolonKeyword_1_0</a:t>
+            </a:r>
+            <a:r>
+              <a:rPr lang="de-DE" sz="1600" dirty="0" smtClean="0">
+                <a:latin typeface="Comic Sans MS"/>
+                <a:cs typeface="Comic Sans MS"/>
+              </a:rPr>
+              <a:t>());</a:t>
+            </a:r>
             <a:r>
               <a:rPr lang="de-AT" sz="1600" dirty="0" smtClean="0">
                 <a:latin typeface="Comic Sans MS" pitchFamily="66" charset="0"/>
@@ -18268,14 +18407,14 @@
             <a:noFill/>
           </a:ln>
           <a:extLst>
-            <a:ext uri="{909E8E84-426E-40DD-AFC4-6F175D3DCCD1}">
+            <a:ext uri="{909E8E84-426E-40dd-AFC4-6F175D3DCCD1}">
               <a14:hiddenFill xmlns:a14="http://schemas.microsoft.com/office/drawing/2010/main">
                 <a:solidFill>
                   <a:schemeClr val="accent1"/>
                 </a:solidFill>
               </a14:hiddenFill>
             </a:ext>
-            <a:ext uri="{91240B29-F687-4F45-9708-019B960494DF}">
+            <a:ext uri="{91240B29-F687-4f45-9708-019B960494DF}">
               <a14:hiddenLine xmlns:a14="http://schemas.microsoft.com/office/drawing/2010/main" w="9525">
                 <a:solidFill>
                   <a:schemeClr val="tx1"/>
@@ -18296,7 +18435,7 @@
   <p:timing>
     <p:tnLst>
       <p:par>
-        <p:cTn id="1" dur="indefinite" restart="never" nodeType="tmRoot"/>
+        <p:cTn xmlns:p14="http://schemas.microsoft.com/office/powerpoint/2010/main" id="1" dur="indefinite" restart="never" nodeType="tmRoot"/>
       </p:par>
     </p:tnLst>
   </p:timing>
@@ -18374,7 +18513,7 @@
   <p:timing>
     <p:tnLst>
       <p:par>
-        <p:cTn id="1" dur="indefinite" restart="never" nodeType="tmRoot"/>
+        <p:cTn xmlns:p14="http://schemas.microsoft.com/office/powerpoint/2010/main" id="1" dur="indefinite" restart="never" nodeType="tmRoot"/>
       </p:par>
     </p:tnLst>
   </p:timing>
@@ -18632,7 +18771,7 @@
   <p:timing>
     <p:tnLst>
       <p:par>
-        <p:cTn id="1" dur="indefinite" restart="never" nodeType="tmRoot"/>
+        <p:cTn xmlns:p14="http://schemas.microsoft.com/office/powerpoint/2010/main" id="1" dur="indefinite" restart="never" nodeType="tmRoot"/>
       </p:par>
     </p:tnLst>
   </p:timing>
@@ -19213,7 +19352,7 @@
   <p:timing>
     <p:tnLst>
       <p:par>
-        <p:cTn id="1" dur="indefinite" restart="never" nodeType="tmRoot"/>
+        <p:cTn xmlns:p14="http://schemas.microsoft.com/office/powerpoint/2010/main" id="1" dur="indefinite" restart="never" nodeType="tmRoot"/>
       </p:par>
     </p:tnLst>
   </p:timing>
@@ -19988,7 +20127,7 @@
   <p:timing>
     <p:tnLst>
       <p:par>
-        <p:cTn id="1" dur="indefinite" restart="never" nodeType="tmRoot"/>
+        <p:cTn xmlns:p14="http://schemas.microsoft.com/office/powerpoint/2010/main" id="1" dur="indefinite" restart="never" nodeType="tmRoot"/>
       </p:par>
     </p:tnLst>
   </p:timing>
@@ -20066,7 +20205,7 @@
   <p:timing>
     <p:tnLst>
       <p:par>
-        <p:cTn id="1" dur="indefinite" restart="never" nodeType="tmRoot"/>
+        <p:cTn xmlns:p14="http://schemas.microsoft.com/office/powerpoint/2010/main" id="1" dur="indefinite" restart="never" nodeType="tmRoot"/>
       </p:par>
     </p:tnLst>
   </p:timing>
@@ -20503,7 +20642,7 @@
   <p:timing>
     <p:tnLst>
       <p:par>
-        <p:cTn id="1" dur="indefinite" restart="never" nodeType="tmRoot"/>
+        <p:cTn xmlns:p14="http://schemas.microsoft.com/office/powerpoint/2010/main" id="1" dur="indefinite" restart="never" nodeType="tmRoot"/>
       </p:par>
     </p:tnLst>
   </p:timing>
@@ -20618,7 +20757,7 @@
   <p:timing>
     <p:tnLst>
       <p:par>
-        <p:cTn id="1" dur="indefinite" restart="never" nodeType="tmRoot"/>
+        <p:cTn xmlns:p14="http://schemas.microsoft.com/office/powerpoint/2010/main" id="1" dur="indefinite" restart="never" nodeType="tmRoot"/>
       </p:par>
     </p:tnLst>
   </p:timing>
@@ -21281,7 +21420,7 @@
   <p:timing>
     <p:tnLst>
       <p:par>
-        <p:cTn id="1" dur="indefinite" restart="never" nodeType="tmRoot"/>
+        <p:cTn xmlns:p14="http://schemas.microsoft.com/office/powerpoint/2010/main" id="1" dur="indefinite" restart="never" nodeType="tmRoot"/>
       </p:par>
     </p:tnLst>
   </p:timing>
@@ -21369,18 +21508,18 @@
   <p:clrMapOvr>
     <a:masterClrMapping/>
   </p:clrMapOvr>
-  <mc:AlternateContent xmlns:mc="http://schemas.openxmlformats.org/markup-compatibility/2006" xmlns:p14="http://schemas.microsoft.com/office/powerpoint/2010/main">
-    <mc:Choice Requires="p14">
+  <mc:AlternateContent xmlns:mc="http://schemas.openxmlformats.org/markup-compatibility/2006">
+    <mc:Choice xmlns:p14="http://schemas.microsoft.com/office/powerpoint/2010/main" Requires="p14">
       <p:transition spd="slow" p14:dur="2000"/>
     </mc:Choice>
-    <mc:Fallback xmlns="">
-      <p:transition spd="slow"/>
+    <mc:Fallback>
+      <p:transition xmlns:p14="http://schemas.microsoft.com/office/powerpoint/2010/main" spd="slow"/>
     </mc:Fallback>
   </mc:AlternateContent>
   <p:timing>
     <p:tnLst>
       <p:par>
-        <p:cTn id="1" dur="indefinite" restart="never" nodeType="tmRoot"/>
+        <p:cTn xmlns:p14="http://schemas.microsoft.com/office/powerpoint/2010/main" id="1" dur="indefinite" restart="never" nodeType="tmRoot"/>
       </p:par>
     </p:tnLst>
   </p:timing>
@@ -21584,7 +21723,7 @@
   <p:timing>
     <p:tnLst>
       <p:par>
-        <p:cTn id="1" dur="indefinite" restart="never" nodeType="tmRoot"/>
+        <p:cTn xmlns:p14="http://schemas.microsoft.com/office/powerpoint/2010/main" id="1" dur="indefinite" restart="never" nodeType="tmRoot"/>
       </p:par>
     </p:tnLst>
   </p:timing>
@@ -21895,7 +22034,7 @@
   <p:timing>
     <p:tnLst>
       <p:par>
-        <p:cTn id="1" dur="indefinite" restart="never" nodeType="tmRoot"/>
+        <p:cTn xmlns:p14="http://schemas.microsoft.com/office/powerpoint/2010/main" id="1" dur="indefinite" restart="never" nodeType="tmRoot"/>
       </p:par>
     </p:tnLst>
   </p:timing>
@@ -22051,7 +22190,7 @@
   <p:timing>
     <p:tnLst>
       <p:par>
-        <p:cTn id="1" dur="indefinite" restart="never" nodeType="tmRoot"/>
+        <p:cTn xmlns:p14="http://schemas.microsoft.com/office/powerpoint/2010/main" id="1" dur="indefinite" restart="never" nodeType="tmRoot"/>
       </p:par>
     </p:tnLst>
   </p:timing>
@@ -22307,7 +22446,7 @@
         </a:ln>
         <a:effectLst/>
         <a:extLst>
-          <a:ext uri="{AF507438-7753-43E0-B8FC-AC1667EBCBE1}">
+          <a:ext uri="{AF507438-7753-43e0-B8FC-AC1667EBCBE1}">
             <a14:hiddenEffects xmlns:a14="http://schemas.microsoft.com/office/drawing/2010/main">
               <a:effectLst>
                 <a:outerShdw dist="35921" dir="2700000" algn="ctr" rotWithShape="0">
@@ -22380,7 +22519,7 @@
         </a:ln>
         <a:effectLst/>
         <a:extLst>
-          <a:ext uri="{AF507438-7753-43E0-B8FC-AC1667EBCBE1}">
+          <a:ext uri="{AF507438-7753-43e0-B8FC-AC1667EBCBE1}">
             <a14:hiddenEffects xmlns:a14="http://schemas.microsoft.com/office/drawing/2010/main">
               <a:effectLst>
                 <a:outerShdw dist="35921" dir="2700000" algn="ctr" rotWithShape="0">
